--- a/IMSpulseSequence.pptx
+++ b/IMSpulseSequence.pptx
@@ -6,6 +6,7 @@
   </p:sldMasterIdLst>
   <p:sldIdLst>
     <p:sldId id="256" r:id="rId2"/>
+    <p:sldId id="257" r:id="rId3"/>
   </p:sldIdLst>
   <p:sldSz cx="9144000" cy="6858000" type="screen4x3"/>
   <p:notesSz cx="6858000" cy="9144000"/>
@@ -288,7 +289,7 @@
           <a:p>
             <a:fld id="{B07095B8-E384-8A47-B194-A69AE15F9E41}" type="datetimeFigureOut">
               <a:rPr lang="en-US" smtClean="0"/>
-              <a:t>11/22/17</a:t>
+              <a:t>4/26/18</a:t>
             </a:fld>
             <a:endParaRPr lang="en-US"/>
           </a:p>
@@ -458,7 +459,7 @@
           <a:p>
             <a:fld id="{B07095B8-E384-8A47-B194-A69AE15F9E41}" type="datetimeFigureOut">
               <a:rPr lang="en-US" smtClean="0"/>
-              <a:t>11/22/17</a:t>
+              <a:t>4/26/18</a:t>
             </a:fld>
             <a:endParaRPr lang="en-US"/>
           </a:p>
@@ -638,7 +639,7 @@
           <a:p>
             <a:fld id="{B07095B8-E384-8A47-B194-A69AE15F9E41}" type="datetimeFigureOut">
               <a:rPr lang="en-US" smtClean="0"/>
-              <a:t>11/22/17</a:t>
+              <a:t>4/26/18</a:t>
             </a:fld>
             <a:endParaRPr lang="en-US"/>
           </a:p>
@@ -808,7 +809,7 @@
           <a:p>
             <a:fld id="{B07095B8-E384-8A47-B194-A69AE15F9E41}" type="datetimeFigureOut">
               <a:rPr lang="en-US" smtClean="0"/>
-              <a:t>11/22/17</a:t>
+              <a:t>4/26/18</a:t>
             </a:fld>
             <a:endParaRPr lang="en-US"/>
           </a:p>
@@ -1054,7 +1055,7 @@
           <a:p>
             <a:fld id="{B07095B8-E384-8A47-B194-A69AE15F9E41}" type="datetimeFigureOut">
               <a:rPr lang="en-US" smtClean="0"/>
-              <a:t>11/22/17</a:t>
+              <a:t>4/26/18</a:t>
             </a:fld>
             <a:endParaRPr lang="en-US"/>
           </a:p>
@@ -1342,7 +1343,7 @@
           <a:p>
             <a:fld id="{B07095B8-E384-8A47-B194-A69AE15F9E41}" type="datetimeFigureOut">
               <a:rPr lang="en-US" smtClean="0"/>
-              <a:t>11/22/17</a:t>
+              <a:t>4/26/18</a:t>
             </a:fld>
             <a:endParaRPr lang="en-US"/>
           </a:p>
@@ -1764,7 +1765,7 @@
           <a:p>
             <a:fld id="{B07095B8-E384-8A47-B194-A69AE15F9E41}" type="datetimeFigureOut">
               <a:rPr lang="en-US" smtClean="0"/>
-              <a:t>11/22/17</a:t>
+              <a:t>4/26/18</a:t>
             </a:fld>
             <a:endParaRPr lang="en-US"/>
           </a:p>
@@ -1882,7 +1883,7 @@
           <a:p>
             <a:fld id="{B07095B8-E384-8A47-B194-A69AE15F9E41}" type="datetimeFigureOut">
               <a:rPr lang="en-US" smtClean="0"/>
-              <a:t>11/22/17</a:t>
+              <a:t>4/26/18</a:t>
             </a:fld>
             <a:endParaRPr lang="en-US"/>
           </a:p>
@@ -1977,7 +1978,7 @@
           <a:p>
             <a:fld id="{B07095B8-E384-8A47-B194-A69AE15F9E41}" type="datetimeFigureOut">
               <a:rPr lang="en-US" smtClean="0"/>
-              <a:t>11/22/17</a:t>
+              <a:t>4/26/18</a:t>
             </a:fld>
             <a:endParaRPr lang="en-US"/>
           </a:p>
@@ -2254,7 +2255,7 @@
           <a:p>
             <a:fld id="{B07095B8-E384-8A47-B194-A69AE15F9E41}" type="datetimeFigureOut">
               <a:rPr lang="en-US" smtClean="0"/>
-              <a:t>11/22/17</a:t>
+              <a:t>4/26/18</a:t>
             </a:fld>
             <a:endParaRPr lang="en-US"/>
           </a:p>
@@ -2507,7 +2508,7 @@
           <a:p>
             <a:fld id="{B07095B8-E384-8A47-B194-A69AE15F9E41}" type="datetimeFigureOut">
               <a:rPr lang="en-US" smtClean="0"/>
-              <a:t>11/22/17</a:t>
+              <a:t>4/26/18</a:t>
             </a:fld>
             <a:endParaRPr lang="en-US"/>
           </a:p>
@@ -2720,7 +2721,7 @@
           <a:p>
             <a:fld id="{B07095B8-E384-8A47-B194-A69AE15F9E41}" type="datetimeFigureOut">
               <a:rPr lang="en-US" smtClean="0"/>
-              <a:t>11/22/17</a:t>
+              <a:t>4/26/18</a:t>
             </a:fld>
             <a:endParaRPr lang="en-US"/>
           </a:p>
@@ -4760,6 +4761,4127 @@
     <p:extLst>
       <p:ext uri="{BB962C8B-B14F-4D97-AF65-F5344CB8AC3E}">
         <p14:creationId xmlns:p14="http://schemas.microsoft.com/office/powerpoint/2010/main" val="757195984"/>
+      </p:ext>
+    </p:extLst>
+  </p:cSld>
+  <p:clrMapOvr>
+    <a:masterClrMapping/>
+  </p:clrMapOvr>
+</p:sld>
+</file>
+
+<file path=ppt/slides/slide2.xml><?xml version="1.0" encoding="utf-8"?>
+<p:sld xmlns:a="http://schemas.openxmlformats.org/drawingml/2006/main" xmlns:r="http://schemas.openxmlformats.org/officeDocument/2006/relationships" xmlns:p="http://schemas.openxmlformats.org/presentationml/2006/main">
+  <p:cSld>
+    <p:spTree>
+      <p:nvGrpSpPr>
+        <p:cNvPr id="1" name=""/>
+        <p:cNvGrpSpPr/>
+        <p:nvPr/>
+      </p:nvGrpSpPr>
+      <p:grpSpPr>
+        <a:xfrm>
+          <a:off x="0" y="0"/>
+          <a:ext cx="0" cy="0"/>
+          <a:chOff x="0" y="0"/>
+          <a:chExt cx="0" cy="0"/>
+        </a:xfrm>
+      </p:grpSpPr>
+      <p:cxnSp>
+        <p:nvCxnSpPr>
+          <p:cNvPr id="4" name="Straight Connector 3"/>
+          <p:cNvCxnSpPr/>
+          <p:nvPr/>
+        </p:nvCxnSpPr>
+        <p:spPr>
+          <a:xfrm>
+            <a:off x="823600" y="1231587"/>
+            <a:ext cx="317034" cy="0"/>
+          </a:xfrm>
+          <a:prstGeom prst="line">
+            <a:avLst/>
+          </a:prstGeom>
+          <a:ln w="9525" cmpd="sng">
+            <a:solidFill>
+              <a:schemeClr val="tx1"/>
+            </a:solidFill>
+          </a:ln>
+          <a:effectLst/>
+        </p:spPr>
+        <p:style>
+          <a:lnRef idx="2">
+            <a:schemeClr val="accent1"/>
+          </a:lnRef>
+          <a:fillRef idx="0">
+            <a:schemeClr val="accent1"/>
+          </a:fillRef>
+          <a:effectRef idx="1">
+            <a:schemeClr val="accent1"/>
+          </a:effectRef>
+          <a:fontRef idx="minor">
+            <a:schemeClr val="tx1"/>
+          </a:fontRef>
+        </p:style>
+      </p:cxnSp>
+      <p:grpSp>
+        <p:nvGrpSpPr>
+          <p:cNvPr id="5" name="Group 4"/>
+          <p:cNvGrpSpPr/>
+          <p:nvPr/>
+        </p:nvGrpSpPr>
+        <p:grpSpPr>
+          <a:xfrm>
+            <a:off x="1140634" y="983937"/>
+            <a:ext cx="160867" cy="247650"/>
+            <a:chOff x="1028700" y="1254125"/>
+            <a:chExt cx="160867" cy="247650"/>
+          </a:xfrm>
+        </p:grpSpPr>
+        <p:cxnSp>
+          <p:nvCxnSpPr>
+            <p:cNvPr id="6" name="Straight Connector 5"/>
+            <p:cNvCxnSpPr/>
+            <p:nvPr/>
+          </p:nvCxnSpPr>
+          <p:spPr>
+            <a:xfrm>
+              <a:off x="1028700" y="1254125"/>
+              <a:ext cx="0" cy="247650"/>
+            </a:xfrm>
+            <a:prstGeom prst="line">
+              <a:avLst/>
+            </a:prstGeom>
+            <a:ln w="9525" cmpd="sng">
+              <a:solidFill>
+                <a:schemeClr val="tx1"/>
+              </a:solidFill>
+            </a:ln>
+            <a:effectLst/>
+          </p:spPr>
+          <p:style>
+            <a:lnRef idx="2">
+              <a:schemeClr val="accent1"/>
+            </a:lnRef>
+            <a:fillRef idx="0">
+              <a:schemeClr val="accent1"/>
+            </a:fillRef>
+            <a:effectRef idx="1">
+              <a:schemeClr val="accent1"/>
+            </a:effectRef>
+            <a:fontRef idx="minor">
+              <a:schemeClr val="tx1"/>
+            </a:fontRef>
+          </p:style>
+        </p:cxnSp>
+        <p:cxnSp>
+          <p:nvCxnSpPr>
+            <p:cNvPr id="7" name="Straight Connector 6"/>
+            <p:cNvCxnSpPr/>
+            <p:nvPr/>
+          </p:nvCxnSpPr>
+          <p:spPr>
+            <a:xfrm>
+              <a:off x="1189567" y="1254125"/>
+              <a:ext cx="0" cy="247650"/>
+            </a:xfrm>
+            <a:prstGeom prst="line">
+              <a:avLst/>
+            </a:prstGeom>
+            <a:ln w="9525" cmpd="sng">
+              <a:solidFill>
+                <a:schemeClr val="tx1"/>
+              </a:solidFill>
+            </a:ln>
+            <a:effectLst/>
+          </p:spPr>
+          <p:style>
+            <a:lnRef idx="2">
+              <a:schemeClr val="accent1"/>
+            </a:lnRef>
+            <a:fillRef idx="0">
+              <a:schemeClr val="accent1"/>
+            </a:fillRef>
+            <a:effectRef idx="1">
+              <a:schemeClr val="accent1"/>
+            </a:effectRef>
+            <a:fontRef idx="minor">
+              <a:schemeClr val="tx1"/>
+            </a:fontRef>
+          </p:style>
+        </p:cxnSp>
+        <p:cxnSp>
+          <p:nvCxnSpPr>
+            <p:cNvPr id="8" name="Straight Connector 7"/>
+            <p:cNvCxnSpPr/>
+            <p:nvPr/>
+          </p:nvCxnSpPr>
+          <p:spPr>
+            <a:xfrm>
+              <a:off x="1028700" y="1254125"/>
+              <a:ext cx="160867" cy="0"/>
+            </a:xfrm>
+            <a:prstGeom prst="line">
+              <a:avLst/>
+            </a:prstGeom>
+            <a:ln w="9525" cmpd="sng">
+              <a:solidFill>
+                <a:schemeClr val="tx1"/>
+              </a:solidFill>
+            </a:ln>
+            <a:effectLst/>
+          </p:spPr>
+          <p:style>
+            <a:lnRef idx="2">
+              <a:schemeClr val="accent1"/>
+            </a:lnRef>
+            <a:fillRef idx="0">
+              <a:schemeClr val="accent1"/>
+            </a:fillRef>
+            <a:effectRef idx="1">
+              <a:schemeClr val="accent1"/>
+            </a:effectRef>
+            <a:fontRef idx="minor">
+              <a:schemeClr val="tx1"/>
+            </a:fontRef>
+          </p:style>
+        </p:cxnSp>
+      </p:grpSp>
+      <p:cxnSp>
+        <p:nvCxnSpPr>
+          <p:cNvPr id="9" name="Straight Connector 8"/>
+          <p:cNvCxnSpPr/>
+          <p:nvPr/>
+        </p:nvCxnSpPr>
+        <p:spPr>
+          <a:xfrm>
+            <a:off x="1301501" y="1231587"/>
+            <a:ext cx="2317500" cy="0"/>
+          </a:xfrm>
+          <a:prstGeom prst="line">
+            <a:avLst/>
+          </a:prstGeom>
+          <a:ln w="9525" cmpd="sng">
+            <a:solidFill>
+              <a:schemeClr val="tx1"/>
+            </a:solidFill>
+          </a:ln>
+          <a:effectLst/>
+        </p:spPr>
+        <p:style>
+          <a:lnRef idx="2">
+            <a:schemeClr val="accent1"/>
+          </a:lnRef>
+          <a:fillRef idx="0">
+            <a:schemeClr val="accent1"/>
+          </a:fillRef>
+          <a:effectRef idx="1">
+            <a:schemeClr val="accent1"/>
+          </a:effectRef>
+          <a:fontRef idx="minor">
+            <a:schemeClr val="tx1"/>
+          </a:fontRef>
+        </p:style>
+      </p:cxnSp>
+      <p:cxnSp>
+        <p:nvCxnSpPr>
+          <p:cNvPr id="16" name="Straight Connector 15"/>
+          <p:cNvCxnSpPr/>
+          <p:nvPr/>
+        </p:nvCxnSpPr>
+        <p:spPr>
+          <a:xfrm flipH="1">
+            <a:off x="1136400" y="891686"/>
+            <a:ext cx="4235" cy="762572"/>
+          </a:xfrm>
+          <a:prstGeom prst="line">
+            <a:avLst/>
+          </a:prstGeom>
+          <a:ln w="9525" cmpd="sng">
+            <a:solidFill>
+              <a:schemeClr val="tx1"/>
+            </a:solidFill>
+            <a:prstDash val="dot"/>
+          </a:ln>
+          <a:effectLst/>
+        </p:spPr>
+        <p:style>
+          <a:lnRef idx="2">
+            <a:schemeClr val="accent1"/>
+          </a:lnRef>
+          <a:fillRef idx="0">
+            <a:schemeClr val="accent1"/>
+          </a:fillRef>
+          <a:effectRef idx="1">
+            <a:schemeClr val="accent1"/>
+          </a:effectRef>
+          <a:fontRef idx="minor">
+            <a:schemeClr val="tx1"/>
+          </a:fontRef>
+        </p:style>
+      </p:cxnSp>
+      <p:cxnSp>
+        <p:nvCxnSpPr>
+          <p:cNvPr id="17" name="Straight Connector 16"/>
+          <p:cNvCxnSpPr/>
+          <p:nvPr/>
+        </p:nvCxnSpPr>
+        <p:spPr>
+          <a:xfrm>
+            <a:off x="3497844" y="891686"/>
+            <a:ext cx="0" cy="762572"/>
+          </a:xfrm>
+          <a:prstGeom prst="line">
+            <a:avLst/>
+          </a:prstGeom>
+          <a:ln w="9525" cmpd="sng">
+            <a:solidFill>
+              <a:schemeClr val="tx1"/>
+            </a:solidFill>
+            <a:prstDash val="dot"/>
+          </a:ln>
+          <a:effectLst/>
+        </p:spPr>
+        <p:style>
+          <a:lnRef idx="2">
+            <a:schemeClr val="accent1"/>
+          </a:lnRef>
+          <a:fillRef idx="0">
+            <a:schemeClr val="accent1"/>
+          </a:fillRef>
+          <a:effectRef idx="1">
+            <a:schemeClr val="accent1"/>
+          </a:effectRef>
+          <a:fontRef idx="minor">
+            <a:schemeClr val="tx1"/>
+          </a:fontRef>
+        </p:style>
+      </p:cxnSp>
+      <p:cxnSp>
+        <p:nvCxnSpPr>
+          <p:cNvPr id="18" name="Straight Connector 17"/>
+          <p:cNvCxnSpPr/>
+          <p:nvPr/>
+        </p:nvCxnSpPr>
+        <p:spPr>
+          <a:xfrm>
+            <a:off x="1140634" y="918888"/>
+            <a:ext cx="2357210" cy="0"/>
+          </a:xfrm>
+          <a:prstGeom prst="line">
+            <a:avLst/>
+          </a:prstGeom>
+          <a:ln w="9525" cmpd="sng">
+            <a:solidFill>
+              <a:srgbClr val="000000"/>
+            </a:solidFill>
+            <a:prstDash val="sysDash"/>
+            <a:headEnd type="stealth"/>
+            <a:tailEnd type="none"/>
+          </a:ln>
+          <a:effectLst/>
+        </p:spPr>
+        <p:style>
+          <a:lnRef idx="2">
+            <a:schemeClr val="accent1"/>
+          </a:lnRef>
+          <a:fillRef idx="0">
+            <a:schemeClr val="accent1"/>
+          </a:fillRef>
+          <a:effectRef idx="1">
+            <a:schemeClr val="accent1"/>
+          </a:effectRef>
+          <a:fontRef idx="minor">
+            <a:schemeClr val="tx1"/>
+          </a:fontRef>
+        </p:style>
+      </p:cxnSp>
+      <p:cxnSp>
+        <p:nvCxnSpPr>
+          <p:cNvPr id="19" name="Straight Connector 18"/>
+          <p:cNvCxnSpPr/>
+          <p:nvPr/>
+        </p:nvCxnSpPr>
+        <p:spPr>
+          <a:xfrm>
+            <a:off x="1301501" y="1114089"/>
+            <a:ext cx="241322" cy="0"/>
+          </a:xfrm>
+          <a:prstGeom prst="line">
+            <a:avLst/>
+          </a:prstGeom>
+          <a:ln w="9525" cmpd="sng">
+            <a:solidFill>
+              <a:srgbClr val="000000"/>
+            </a:solidFill>
+            <a:prstDash val="sysDash"/>
+            <a:headEnd type="stealth"/>
+            <a:tailEnd type="none"/>
+          </a:ln>
+          <a:effectLst/>
+        </p:spPr>
+        <p:style>
+          <a:lnRef idx="2">
+            <a:schemeClr val="accent1"/>
+          </a:lnRef>
+          <a:fillRef idx="0">
+            <a:schemeClr val="accent1"/>
+          </a:fillRef>
+          <a:effectRef idx="1">
+            <a:schemeClr val="accent1"/>
+          </a:effectRef>
+          <a:fontRef idx="minor">
+            <a:schemeClr val="tx1"/>
+          </a:fontRef>
+        </p:style>
+      </p:cxnSp>
+      <p:cxnSp>
+        <p:nvCxnSpPr>
+          <p:cNvPr id="20" name="Straight Connector 19"/>
+          <p:cNvCxnSpPr/>
+          <p:nvPr/>
+        </p:nvCxnSpPr>
+        <p:spPr>
+          <a:xfrm flipH="1">
+            <a:off x="920109" y="1114089"/>
+            <a:ext cx="220525" cy="0"/>
+          </a:xfrm>
+          <a:prstGeom prst="line">
+            <a:avLst/>
+          </a:prstGeom>
+          <a:ln w="9525" cmpd="sng">
+            <a:solidFill>
+              <a:srgbClr val="000000"/>
+            </a:solidFill>
+            <a:prstDash val="sysDash"/>
+            <a:headEnd type="stealth"/>
+            <a:tailEnd type="none"/>
+          </a:ln>
+          <a:effectLst/>
+        </p:spPr>
+        <p:style>
+          <a:lnRef idx="2">
+            <a:schemeClr val="accent1"/>
+          </a:lnRef>
+          <a:fillRef idx="0">
+            <a:schemeClr val="accent1"/>
+          </a:fillRef>
+          <a:effectRef idx="1">
+            <a:schemeClr val="accent1"/>
+          </a:effectRef>
+          <a:fontRef idx="minor">
+            <a:schemeClr val="tx1"/>
+          </a:fontRef>
+        </p:style>
+      </p:cxnSp>
+      <p:sp>
+        <p:nvSpPr>
+          <p:cNvPr id="25" name="TextBox 24"/>
+          <p:cNvSpPr txBox="1"/>
+          <p:nvPr/>
+        </p:nvSpPr>
+        <p:spPr>
+          <a:xfrm>
+            <a:off x="2149127" y="851633"/>
+            <a:ext cx="340508" cy="276999"/>
+          </a:xfrm>
+          <a:prstGeom prst="rect">
+            <a:avLst/>
+          </a:prstGeom>
+          <a:noFill/>
+        </p:spPr>
+        <p:txBody>
+          <a:bodyPr wrap="none" rtlCol="0">
+            <a:spAutoFit/>
+          </a:bodyPr>
+          <a:lstStyle/>
+          <a:p>
+            <a:r>
+              <a:rPr lang="en-US" sz="1200" dirty="0" err="1" smtClean="0"/>
+              <a:t>Tp</a:t>
+            </a:r>
+            <a:endParaRPr lang="en-US" sz="1200" dirty="0"/>
+          </a:p>
+        </p:txBody>
+      </p:sp>
+      <p:sp>
+        <p:nvSpPr>
+          <p:cNvPr id="26" name="TextBox 25"/>
+          <p:cNvSpPr txBox="1"/>
+          <p:nvPr/>
+        </p:nvSpPr>
+        <p:spPr>
+          <a:xfrm>
+            <a:off x="567597" y="1039854"/>
+            <a:ext cx="338554" cy="276999"/>
+          </a:xfrm>
+          <a:prstGeom prst="rect">
+            <a:avLst/>
+          </a:prstGeom>
+          <a:noFill/>
+        </p:spPr>
+        <p:txBody>
+          <a:bodyPr wrap="none" rtlCol="0">
+            <a:spAutoFit/>
+          </a:bodyPr>
+          <a:lstStyle/>
+          <a:p>
+            <a:r>
+              <a:rPr lang="en-US" sz="1200" dirty="0" smtClean="0"/>
+              <a:t>S1</a:t>
+            </a:r>
+            <a:endParaRPr lang="en-US" sz="1200" dirty="0"/>
+          </a:p>
+        </p:txBody>
+      </p:sp>
+      <p:sp>
+        <p:nvSpPr>
+          <p:cNvPr id="28" name="TextBox 27"/>
+          <p:cNvSpPr txBox="1"/>
+          <p:nvPr/>
+        </p:nvSpPr>
+        <p:spPr>
+          <a:xfrm>
+            <a:off x="1472973" y="941888"/>
+            <a:ext cx="402674" cy="276999"/>
+          </a:xfrm>
+          <a:prstGeom prst="rect">
+            <a:avLst/>
+          </a:prstGeom>
+          <a:noFill/>
+        </p:spPr>
+        <p:txBody>
+          <a:bodyPr wrap="none" rtlCol="0">
+            <a:spAutoFit/>
+          </a:bodyPr>
+          <a:lstStyle/>
+          <a:p>
+            <a:r>
+              <a:rPr lang="en-US" sz="1200" dirty="0" smtClean="0"/>
+              <a:t>Ts1</a:t>
+            </a:r>
+            <a:endParaRPr lang="en-US" sz="1200" dirty="0"/>
+          </a:p>
+        </p:txBody>
+      </p:sp>
+      <p:sp>
+        <p:nvSpPr>
+          <p:cNvPr id="31" name="Right Brace 30"/>
+          <p:cNvSpPr/>
+          <p:nvPr/>
+        </p:nvSpPr>
+        <p:spPr>
+          <a:xfrm rot="5400000">
+            <a:off x="2226502" y="694335"/>
+            <a:ext cx="202409" cy="2357210"/>
+          </a:xfrm>
+          <a:prstGeom prst="rightBrace">
+            <a:avLst/>
+          </a:prstGeom>
+          <a:ln w="12700" cmpd="sng">
+            <a:solidFill>
+              <a:srgbClr val="000000"/>
+            </a:solidFill>
+          </a:ln>
+          <a:effectLst/>
+        </p:spPr>
+        <p:style>
+          <a:lnRef idx="2">
+            <a:schemeClr val="accent1"/>
+          </a:lnRef>
+          <a:fillRef idx="0">
+            <a:schemeClr val="accent1"/>
+          </a:fillRef>
+          <a:effectRef idx="1">
+            <a:schemeClr val="accent1"/>
+          </a:effectRef>
+          <a:fontRef idx="minor">
+            <a:schemeClr val="tx1"/>
+          </a:fontRef>
+        </p:style>
+        <p:txBody>
+          <a:bodyPr rtlCol="0" anchor="ctr"/>
+          <a:lstStyle/>
+          <a:p>
+            <a:pPr algn="ctr"/>
+            <a:endParaRPr lang="en-US"/>
+          </a:p>
+        </p:txBody>
+      </p:sp>
+      <p:sp>
+        <p:nvSpPr>
+          <p:cNvPr id="32" name="TextBox 31"/>
+          <p:cNvSpPr txBox="1"/>
+          <p:nvPr/>
+        </p:nvSpPr>
+        <p:spPr>
+          <a:xfrm>
+            <a:off x="1713946" y="1903874"/>
+            <a:ext cx="1225591" cy="276999"/>
+          </a:xfrm>
+          <a:prstGeom prst="rect">
+            <a:avLst/>
+          </a:prstGeom>
+          <a:noFill/>
+        </p:spPr>
+        <p:txBody>
+          <a:bodyPr wrap="none" rtlCol="0">
+            <a:spAutoFit/>
+          </a:bodyPr>
+          <a:lstStyle/>
+          <a:p>
+            <a:r>
+              <a:rPr lang="en-US" sz="1200" dirty="0" smtClean="0"/>
+              <a:t>Repeats m </a:t>
+            </a:r>
+            <a:r>
+              <a:rPr lang="en-US" sz="1200" dirty="0" smtClean="0"/>
+              <a:t>times</a:t>
+            </a:r>
+            <a:endParaRPr lang="en-US" sz="1200" dirty="0"/>
+          </a:p>
+        </p:txBody>
+      </p:sp>
+      <p:grpSp>
+        <p:nvGrpSpPr>
+          <p:cNvPr id="33" name="Group 32"/>
+          <p:cNvGrpSpPr/>
+          <p:nvPr/>
+        </p:nvGrpSpPr>
+        <p:grpSpPr>
+          <a:xfrm>
+            <a:off x="975533" y="530958"/>
+            <a:ext cx="160867" cy="247650"/>
+            <a:chOff x="1028700" y="1254125"/>
+            <a:chExt cx="160867" cy="247650"/>
+          </a:xfrm>
+        </p:grpSpPr>
+        <p:cxnSp>
+          <p:nvCxnSpPr>
+            <p:cNvPr id="34" name="Straight Connector 33"/>
+            <p:cNvCxnSpPr/>
+            <p:nvPr/>
+          </p:nvCxnSpPr>
+          <p:spPr>
+            <a:xfrm>
+              <a:off x="1028700" y="1254125"/>
+              <a:ext cx="0" cy="247650"/>
+            </a:xfrm>
+            <a:prstGeom prst="line">
+              <a:avLst/>
+            </a:prstGeom>
+            <a:ln w="9525" cmpd="sng">
+              <a:solidFill>
+                <a:schemeClr val="tx1"/>
+              </a:solidFill>
+            </a:ln>
+            <a:effectLst/>
+          </p:spPr>
+          <p:style>
+            <a:lnRef idx="2">
+              <a:schemeClr val="accent1"/>
+            </a:lnRef>
+            <a:fillRef idx="0">
+              <a:schemeClr val="accent1"/>
+            </a:fillRef>
+            <a:effectRef idx="1">
+              <a:schemeClr val="accent1"/>
+            </a:effectRef>
+            <a:fontRef idx="minor">
+              <a:schemeClr val="tx1"/>
+            </a:fontRef>
+          </p:style>
+        </p:cxnSp>
+        <p:cxnSp>
+          <p:nvCxnSpPr>
+            <p:cNvPr id="35" name="Straight Connector 34"/>
+            <p:cNvCxnSpPr/>
+            <p:nvPr/>
+          </p:nvCxnSpPr>
+          <p:spPr>
+            <a:xfrm>
+              <a:off x="1189567" y="1254125"/>
+              <a:ext cx="0" cy="247650"/>
+            </a:xfrm>
+            <a:prstGeom prst="line">
+              <a:avLst/>
+            </a:prstGeom>
+            <a:ln w="9525" cmpd="sng">
+              <a:solidFill>
+                <a:schemeClr val="tx1"/>
+              </a:solidFill>
+            </a:ln>
+            <a:effectLst/>
+          </p:spPr>
+          <p:style>
+            <a:lnRef idx="2">
+              <a:schemeClr val="accent1"/>
+            </a:lnRef>
+            <a:fillRef idx="0">
+              <a:schemeClr val="accent1"/>
+            </a:fillRef>
+            <a:effectRef idx="1">
+              <a:schemeClr val="accent1"/>
+            </a:effectRef>
+            <a:fontRef idx="minor">
+              <a:schemeClr val="tx1"/>
+            </a:fontRef>
+          </p:style>
+        </p:cxnSp>
+        <p:cxnSp>
+          <p:nvCxnSpPr>
+            <p:cNvPr id="36" name="Straight Connector 35"/>
+            <p:cNvCxnSpPr/>
+            <p:nvPr/>
+          </p:nvCxnSpPr>
+          <p:spPr>
+            <a:xfrm>
+              <a:off x="1028700" y="1254125"/>
+              <a:ext cx="160867" cy="0"/>
+            </a:xfrm>
+            <a:prstGeom prst="line">
+              <a:avLst/>
+            </a:prstGeom>
+            <a:ln w="9525" cmpd="sng">
+              <a:solidFill>
+                <a:schemeClr val="tx1"/>
+              </a:solidFill>
+            </a:ln>
+            <a:effectLst/>
+          </p:spPr>
+          <p:style>
+            <a:lnRef idx="2">
+              <a:schemeClr val="accent1"/>
+            </a:lnRef>
+            <a:fillRef idx="0">
+              <a:schemeClr val="accent1"/>
+            </a:fillRef>
+            <a:effectRef idx="1">
+              <a:schemeClr val="accent1"/>
+            </a:effectRef>
+            <a:fontRef idx="minor">
+              <a:schemeClr val="tx1"/>
+            </a:fontRef>
+          </p:style>
+        </p:cxnSp>
+      </p:grpSp>
+      <p:cxnSp>
+        <p:nvCxnSpPr>
+          <p:cNvPr id="37" name="Straight Connector 36"/>
+          <p:cNvCxnSpPr/>
+          <p:nvPr/>
+        </p:nvCxnSpPr>
+        <p:spPr>
+          <a:xfrm>
+            <a:off x="1136400" y="778608"/>
+            <a:ext cx="2482601" cy="0"/>
+          </a:xfrm>
+          <a:prstGeom prst="line">
+            <a:avLst/>
+          </a:prstGeom>
+          <a:ln w="9525" cmpd="sng">
+            <a:solidFill>
+              <a:schemeClr val="tx1"/>
+            </a:solidFill>
+          </a:ln>
+          <a:effectLst/>
+        </p:spPr>
+        <p:style>
+          <a:lnRef idx="2">
+            <a:schemeClr val="accent1"/>
+          </a:lnRef>
+          <a:fillRef idx="0">
+            <a:schemeClr val="accent1"/>
+          </a:fillRef>
+          <a:effectRef idx="1">
+            <a:schemeClr val="accent1"/>
+          </a:effectRef>
+          <a:fontRef idx="minor">
+            <a:schemeClr val="tx1"/>
+          </a:fontRef>
+        </p:style>
+      </p:cxnSp>
+      <p:cxnSp>
+        <p:nvCxnSpPr>
+          <p:cNvPr id="38" name="Straight Connector 37"/>
+          <p:cNvCxnSpPr/>
+          <p:nvPr/>
+        </p:nvCxnSpPr>
+        <p:spPr>
+          <a:xfrm>
+            <a:off x="823600" y="778608"/>
+            <a:ext cx="151933" cy="0"/>
+          </a:xfrm>
+          <a:prstGeom prst="line">
+            <a:avLst/>
+          </a:prstGeom>
+          <a:ln w="9525" cmpd="sng">
+            <a:solidFill>
+              <a:schemeClr val="tx1"/>
+            </a:solidFill>
+          </a:ln>
+          <a:effectLst/>
+        </p:spPr>
+        <p:style>
+          <a:lnRef idx="2">
+            <a:schemeClr val="accent1"/>
+          </a:lnRef>
+          <a:fillRef idx="0">
+            <a:schemeClr val="accent1"/>
+          </a:fillRef>
+          <a:effectRef idx="1">
+            <a:schemeClr val="accent1"/>
+          </a:effectRef>
+          <a:fontRef idx="minor">
+            <a:schemeClr val="tx1"/>
+          </a:fontRef>
+        </p:style>
+      </p:cxnSp>
+      <p:cxnSp>
+        <p:nvCxnSpPr>
+          <p:cNvPr id="39" name="Straight Connector 38"/>
+          <p:cNvCxnSpPr/>
+          <p:nvPr/>
+        </p:nvCxnSpPr>
+        <p:spPr>
+          <a:xfrm>
+            <a:off x="825483" y="1654258"/>
+            <a:ext cx="317034" cy="0"/>
+          </a:xfrm>
+          <a:prstGeom prst="line">
+            <a:avLst/>
+          </a:prstGeom>
+          <a:ln w="9525" cmpd="sng">
+            <a:solidFill>
+              <a:schemeClr val="tx1"/>
+            </a:solidFill>
+          </a:ln>
+          <a:effectLst/>
+        </p:spPr>
+        <p:style>
+          <a:lnRef idx="2">
+            <a:schemeClr val="accent1"/>
+          </a:lnRef>
+          <a:fillRef idx="0">
+            <a:schemeClr val="accent1"/>
+          </a:fillRef>
+          <a:effectRef idx="1">
+            <a:schemeClr val="accent1"/>
+          </a:effectRef>
+          <a:fontRef idx="minor">
+            <a:schemeClr val="tx1"/>
+          </a:fontRef>
+        </p:style>
+      </p:cxnSp>
+      <p:grpSp>
+        <p:nvGrpSpPr>
+          <p:cNvPr id="40" name="Group 39"/>
+          <p:cNvGrpSpPr/>
+          <p:nvPr/>
+        </p:nvGrpSpPr>
+        <p:grpSpPr>
+          <a:xfrm>
+            <a:off x="1140634" y="1406608"/>
+            <a:ext cx="160867" cy="247650"/>
+            <a:chOff x="1028700" y="1254125"/>
+            <a:chExt cx="160867" cy="247650"/>
+          </a:xfrm>
+        </p:grpSpPr>
+        <p:cxnSp>
+          <p:nvCxnSpPr>
+            <p:cNvPr id="41" name="Straight Connector 40"/>
+            <p:cNvCxnSpPr/>
+            <p:nvPr/>
+          </p:nvCxnSpPr>
+          <p:spPr>
+            <a:xfrm>
+              <a:off x="1028700" y="1254125"/>
+              <a:ext cx="0" cy="247650"/>
+            </a:xfrm>
+            <a:prstGeom prst="line">
+              <a:avLst/>
+            </a:prstGeom>
+            <a:ln w="9525" cmpd="sng">
+              <a:solidFill>
+                <a:schemeClr val="tx1"/>
+              </a:solidFill>
+            </a:ln>
+            <a:effectLst/>
+          </p:spPr>
+          <p:style>
+            <a:lnRef idx="2">
+              <a:schemeClr val="accent1"/>
+            </a:lnRef>
+            <a:fillRef idx="0">
+              <a:schemeClr val="accent1"/>
+            </a:fillRef>
+            <a:effectRef idx="1">
+              <a:schemeClr val="accent1"/>
+            </a:effectRef>
+            <a:fontRef idx="minor">
+              <a:schemeClr val="tx1"/>
+            </a:fontRef>
+          </p:style>
+        </p:cxnSp>
+        <p:cxnSp>
+          <p:nvCxnSpPr>
+            <p:cNvPr id="42" name="Straight Connector 41"/>
+            <p:cNvCxnSpPr/>
+            <p:nvPr/>
+          </p:nvCxnSpPr>
+          <p:spPr>
+            <a:xfrm>
+              <a:off x="1189567" y="1254125"/>
+              <a:ext cx="0" cy="247650"/>
+            </a:xfrm>
+            <a:prstGeom prst="line">
+              <a:avLst/>
+            </a:prstGeom>
+            <a:ln w="9525" cmpd="sng">
+              <a:solidFill>
+                <a:schemeClr val="tx1"/>
+              </a:solidFill>
+            </a:ln>
+            <a:effectLst/>
+          </p:spPr>
+          <p:style>
+            <a:lnRef idx="2">
+              <a:schemeClr val="accent1"/>
+            </a:lnRef>
+            <a:fillRef idx="0">
+              <a:schemeClr val="accent1"/>
+            </a:fillRef>
+            <a:effectRef idx="1">
+              <a:schemeClr val="accent1"/>
+            </a:effectRef>
+            <a:fontRef idx="minor">
+              <a:schemeClr val="tx1"/>
+            </a:fontRef>
+          </p:style>
+        </p:cxnSp>
+        <p:cxnSp>
+          <p:nvCxnSpPr>
+            <p:cNvPr id="43" name="Straight Connector 42"/>
+            <p:cNvCxnSpPr/>
+            <p:nvPr/>
+          </p:nvCxnSpPr>
+          <p:spPr>
+            <a:xfrm>
+              <a:off x="1028700" y="1254125"/>
+              <a:ext cx="160867" cy="0"/>
+            </a:xfrm>
+            <a:prstGeom prst="line">
+              <a:avLst/>
+            </a:prstGeom>
+            <a:ln w="9525" cmpd="sng">
+              <a:solidFill>
+                <a:schemeClr val="tx1"/>
+              </a:solidFill>
+            </a:ln>
+            <a:effectLst/>
+          </p:spPr>
+          <p:style>
+            <a:lnRef idx="2">
+              <a:schemeClr val="accent1"/>
+            </a:lnRef>
+            <a:fillRef idx="0">
+              <a:schemeClr val="accent1"/>
+            </a:fillRef>
+            <a:effectRef idx="1">
+              <a:schemeClr val="accent1"/>
+            </a:effectRef>
+            <a:fontRef idx="minor">
+              <a:schemeClr val="tx1"/>
+            </a:fontRef>
+          </p:style>
+        </p:cxnSp>
+      </p:grpSp>
+      <p:cxnSp>
+        <p:nvCxnSpPr>
+          <p:cNvPr id="44" name="Straight Connector 43"/>
+          <p:cNvCxnSpPr/>
+          <p:nvPr/>
+        </p:nvCxnSpPr>
+        <p:spPr>
+          <a:xfrm>
+            <a:off x="1301501" y="1654258"/>
+            <a:ext cx="2317500" cy="0"/>
+          </a:xfrm>
+          <a:prstGeom prst="line">
+            <a:avLst/>
+          </a:prstGeom>
+          <a:ln w="9525" cmpd="sng">
+            <a:solidFill>
+              <a:schemeClr val="tx1"/>
+            </a:solidFill>
+          </a:ln>
+          <a:effectLst/>
+        </p:spPr>
+        <p:style>
+          <a:lnRef idx="2">
+            <a:schemeClr val="accent1"/>
+          </a:lnRef>
+          <a:fillRef idx="0">
+            <a:schemeClr val="accent1"/>
+          </a:fillRef>
+          <a:effectRef idx="1">
+            <a:schemeClr val="accent1"/>
+          </a:effectRef>
+          <a:fontRef idx="minor">
+            <a:schemeClr val="tx1"/>
+          </a:fontRef>
+        </p:style>
+      </p:cxnSp>
+      <p:sp>
+        <p:nvSpPr>
+          <p:cNvPr id="45" name="TextBox 44"/>
+          <p:cNvSpPr txBox="1"/>
+          <p:nvPr/>
+        </p:nvSpPr>
+        <p:spPr>
+          <a:xfrm>
+            <a:off x="428848" y="577628"/>
+            <a:ext cx="470952" cy="276999"/>
+          </a:xfrm>
+          <a:prstGeom prst="rect">
+            <a:avLst/>
+          </a:prstGeom>
+          <a:noFill/>
+        </p:spPr>
+        <p:txBody>
+          <a:bodyPr wrap="none" rtlCol="0">
+            <a:spAutoFit/>
+          </a:bodyPr>
+          <a:lstStyle/>
+          <a:p>
+            <a:r>
+              <a:rPr lang="en-US" sz="1200" dirty="0" smtClean="0"/>
+              <a:t>Sync</a:t>
+            </a:r>
+            <a:endParaRPr lang="en-US" sz="1200" dirty="0"/>
+          </a:p>
+        </p:txBody>
+      </p:sp>
+      <p:sp>
+        <p:nvSpPr>
+          <p:cNvPr id="46" name="TextBox 45"/>
+          <p:cNvSpPr txBox="1"/>
+          <p:nvPr/>
+        </p:nvSpPr>
+        <p:spPr>
+          <a:xfrm>
+            <a:off x="625332" y="1452418"/>
+            <a:ext cx="274434" cy="276999"/>
+          </a:xfrm>
+          <a:prstGeom prst="rect">
+            <a:avLst/>
+          </a:prstGeom>
+          <a:noFill/>
+        </p:spPr>
+        <p:txBody>
+          <a:bodyPr wrap="none" rtlCol="0">
+            <a:spAutoFit/>
+          </a:bodyPr>
+          <a:lstStyle/>
+          <a:p>
+            <a:r>
+              <a:rPr lang="en-US" sz="1200" dirty="0" smtClean="0"/>
+              <a:t>A</a:t>
+            </a:r>
+            <a:endParaRPr lang="en-US" sz="1200" dirty="0"/>
+          </a:p>
+        </p:txBody>
+      </p:sp>
+      <p:cxnSp>
+        <p:nvCxnSpPr>
+          <p:cNvPr id="47" name="Straight Connector 46"/>
+          <p:cNvCxnSpPr/>
+          <p:nvPr/>
+        </p:nvCxnSpPr>
+        <p:spPr>
+          <a:xfrm flipH="1">
+            <a:off x="755008" y="577628"/>
+            <a:ext cx="220525" cy="0"/>
+          </a:xfrm>
+          <a:prstGeom prst="line">
+            <a:avLst/>
+          </a:prstGeom>
+          <a:ln w="9525" cmpd="sng">
+            <a:solidFill>
+              <a:srgbClr val="000000"/>
+            </a:solidFill>
+            <a:prstDash val="sysDash"/>
+            <a:headEnd type="stealth"/>
+            <a:tailEnd type="none"/>
+          </a:ln>
+          <a:effectLst/>
+        </p:spPr>
+        <p:style>
+          <a:lnRef idx="2">
+            <a:schemeClr val="accent1"/>
+          </a:lnRef>
+          <a:fillRef idx="0">
+            <a:schemeClr val="accent1"/>
+          </a:fillRef>
+          <a:effectRef idx="1">
+            <a:schemeClr val="accent1"/>
+          </a:effectRef>
+          <a:fontRef idx="minor">
+            <a:schemeClr val="tx1"/>
+          </a:fontRef>
+        </p:style>
+      </p:cxnSp>
+      <p:cxnSp>
+        <p:nvCxnSpPr>
+          <p:cNvPr id="48" name="Straight Connector 47"/>
+          <p:cNvCxnSpPr/>
+          <p:nvPr/>
+        </p:nvCxnSpPr>
+        <p:spPr>
+          <a:xfrm>
+            <a:off x="1140635" y="577628"/>
+            <a:ext cx="241322" cy="0"/>
+          </a:xfrm>
+          <a:prstGeom prst="line">
+            <a:avLst/>
+          </a:prstGeom>
+          <a:ln w="9525" cmpd="sng">
+            <a:solidFill>
+              <a:srgbClr val="000000"/>
+            </a:solidFill>
+            <a:prstDash val="sysDash"/>
+            <a:headEnd type="stealth"/>
+            <a:tailEnd type="none"/>
+          </a:ln>
+          <a:effectLst/>
+        </p:spPr>
+        <p:style>
+          <a:lnRef idx="2">
+            <a:schemeClr val="accent1"/>
+          </a:lnRef>
+          <a:fillRef idx="0">
+            <a:schemeClr val="accent1"/>
+          </a:fillRef>
+          <a:effectRef idx="1">
+            <a:schemeClr val="accent1"/>
+          </a:effectRef>
+          <a:fontRef idx="minor">
+            <a:schemeClr val="tx1"/>
+          </a:fontRef>
+        </p:style>
+      </p:cxnSp>
+      <p:sp>
+        <p:nvSpPr>
+          <p:cNvPr id="49" name="TextBox 48"/>
+          <p:cNvSpPr txBox="1"/>
+          <p:nvPr/>
+        </p:nvSpPr>
+        <p:spPr>
+          <a:xfrm>
+            <a:off x="1316086" y="379758"/>
+            <a:ext cx="492217" cy="276999"/>
+          </a:xfrm>
+          <a:prstGeom prst="rect">
+            <a:avLst/>
+          </a:prstGeom>
+          <a:noFill/>
+        </p:spPr>
+        <p:txBody>
+          <a:bodyPr wrap="none" rtlCol="0">
+            <a:spAutoFit/>
+          </a:bodyPr>
+          <a:lstStyle/>
+          <a:p>
+            <a:r>
+              <a:rPr lang="en-US" sz="1200" dirty="0" smtClean="0"/>
+              <a:t>50uS</a:t>
+            </a:r>
+            <a:endParaRPr lang="en-US" sz="1200" dirty="0"/>
+          </a:p>
+        </p:txBody>
+      </p:sp>
+      <p:sp>
+        <p:nvSpPr>
+          <p:cNvPr id="50" name="TextBox 49"/>
+          <p:cNvSpPr txBox="1"/>
+          <p:nvPr/>
+        </p:nvSpPr>
+        <p:spPr>
+          <a:xfrm>
+            <a:off x="1756193" y="577628"/>
+            <a:ext cx="1915909" cy="246221"/>
+          </a:xfrm>
+          <a:prstGeom prst="rect">
+            <a:avLst/>
+          </a:prstGeom>
+          <a:noFill/>
+        </p:spPr>
+        <p:txBody>
+          <a:bodyPr wrap="none" rtlCol="0">
+            <a:spAutoFit/>
+          </a:bodyPr>
+          <a:lstStyle/>
+          <a:p>
+            <a:r>
+              <a:rPr lang="en-US" sz="1000" dirty="0" smtClean="0"/>
+              <a:t>Occurs once, at start of sequence </a:t>
+            </a:r>
+            <a:endParaRPr lang="en-US" sz="1000" dirty="0"/>
+          </a:p>
+        </p:txBody>
+      </p:sp>
+      <p:sp>
+        <p:nvSpPr>
+          <p:cNvPr id="51" name="TextBox 50"/>
+          <p:cNvSpPr txBox="1"/>
+          <p:nvPr/>
+        </p:nvSpPr>
+        <p:spPr>
+          <a:xfrm>
+            <a:off x="2840847" y="1030921"/>
+            <a:ext cx="662185" cy="246221"/>
+          </a:xfrm>
+          <a:prstGeom prst="rect">
+            <a:avLst/>
+          </a:prstGeom>
+          <a:noFill/>
+        </p:spPr>
+        <p:txBody>
+          <a:bodyPr wrap="none" rtlCol="0">
+            <a:spAutoFit/>
+          </a:bodyPr>
+          <a:lstStyle/>
+          <a:p>
+            <a:r>
+              <a:rPr lang="en-US" sz="1000" dirty="0" smtClean="0"/>
+              <a:t>Shutter 1</a:t>
+            </a:r>
+            <a:endParaRPr lang="en-US" sz="1000" dirty="0"/>
+          </a:p>
+        </p:txBody>
+      </p:sp>
+      <p:grpSp>
+        <p:nvGrpSpPr>
+          <p:cNvPr id="62" name="Group 61"/>
+          <p:cNvGrpSpPr/>
+          <p:nvPr/>
+        </p:nvGrpSpPr>
+        <p:grpSpPr>
+          <a:xfrm>
+            <a:off x="2825901" y="3193142"/>
+            <a:ext cx="160867" cy="247650"/>
+            <a:chOff x="1028700" y="1254125"/>
+            <a:chExt cx="160867" cy="247650"/>
+          </a:xfrm>
+        </p:grpSpPr>
+        <p:cxnSp>
+          <p:nvCxnSpPr>
+            <p:cNvPr id="63" name="Straight Connector 62"/>
+            <p:cNvCxnSpPr/>
+            <p:nvPr/>
+          </p:nvCxnSpPr>
+          <p:spPr>
+            <a:xfrm>
+              <a:off x="1028700" y="1254125"/>
+              <a:ext cx="0" cy="247650"/>
+            </a:xfrm>
+            <a:prstGeom prst="line">
+              <a:avLst/>
+            </a:prstGeom>
+            <a:ln w="9525" cmpd="sng">
+              <a:solidFill>
+                <a:schemeClr val="tx1"/>
+              </a:solidFill>
+            </a:ln>
+            <a:effectLst/>
+          </p:spPr>
+          <p:style>
+            <a:lnRef idx="2">
+              <a:schemeClr val="accent1"/>
+            </a:lnRef>
+            <a:fillRef idx="0">
+              <a:schemeClr val="accent1"/>
+            </a:fillRef>
+            <a:effectRef idx="1">
+              <a:schemeClr val="accent1"/>
+            </a:effectRef>
+            <a:fontRef idx="minor">
+              <a:schemeClr val="tx1"/>
+            </a:fontRef>
+          </p:style>
+        </p:cxnSp>
+        <p:cxnSp>
+          <p:nvCxnSpPr>
+            <p:cNvPr id="64" name="Straight Connector 63"/>
+            <p:cNvCxnSpPr/>
+            <p:nvPr/>
+          </p:nvCxnSpPr>
+          <p:spPr>
+            <a:xfrm>
+              <a:off x="1189567" y="1254125"/>
+              <a:ext cx="0" cy="247650"/>
+            </a:xfrm>
+            <a:prstGeom prst="line">
+              <a:avLst/>
+            </a:prstGeom>
+            <a:ln w="9525" cmpd="sng">
+              <a:solidFill>
+                <a:schemeClr val="tx1"/>
+              </a:solidFill>
+            </a:ln>
+            <a:effectLst/>
+          </p:spPr>
+          <p:style>
+            <a:lnRef idx="2">
+              <a:schemeClr val="accent1"/>
+            </a:lnRef>
+            <a:fillRef idx="0">
+              <a:schemeClr val="accent1"/>
+            </a:fillRef>
+            <a:effectRef idx="1">
+              <a:schemeClr val="accent1"/>
+            </a:effectRef>
+            <a:fontRef idx="minor">
+              <a:schemeClr val="tx1"/>
+            </a:fontRef>
+          </p:style>
+        </p:cxnSp>
+        <p:cxnSp>
+          <p:nvCxnSpPr>
+            <p:cNvPr id="65" name="Straight Connector 64"/>
+            <p:cNvCxnSpPr/>
+            <p:nvPr/>
+          </p:nvCxnSpPr>
+          <p:spPr>
+            <a:xfrm>
+              <a:off x="1028700" y="1254125"/>
+              <a:ext cx="160867" cy="0"/>
+            </a:xfrm>
+            <a:prstGeom prst="line">
+              <a:avLst/>
+            </a:prstGeom>
+            <a:ln w="9525" cmpd="sng">
+              <a:solidFill>
+                <a:schemeClr val="tx1"/>
+              </a:solidFill>
+            </a:ln>
+            <a:effectLst/>
+          </p:spPr>
+          <p:style>
+            <a:lnRef idx="2">
+              <a:schemeClr val="accent1"/>
+            </a:lnRef>
+            <a:fillRef idx="0">
+              <a:schemeClr val="accent1"/>
+            </a:fillRef>
+            <a:effectRef idx="1">
+              <a:schemeClr val="accent1"/>
+            </a:effectRef>
+            <a:fontRef idx="minor">
+              <a:schemeClr val="tx1"/>
+            </a:fontRef>
+          </p:style>
+        </p:cxnSp>
+      </p:grpSp>
+      <p:cxnSp>
+        <p:nvCxnSpPr>
+          <p:cNvPr id="66" name="Straight Connector 65"/>
+          <p:cNvCxnSpPr/>
+          <p:nvPr/>
+        </p:nvCxnSpPr>
+        <p:spPr>
+          <a:xfrm flipV="1">
+            <a:off x="796338" y="3440792"/>
+            <a:ext cx="2029563" cy="16914"/>
+          </a:xfrm>
+          <a:prstGeom prst="line">
+            <a:avLst/>
+          </a:prstGeom>
+          <a:ln w="9525" cmpd="sng">
+            <a:solidFill>
+              <a:schemeClr val="tx1"/>
+            </a:solidFill>
+          </a:ln>
+          <a:effectLst/>
+        </p:spPr>
+        <p:style>
+          <a:lnRef idx="2">
+            <a:schemeClr val="accent1"/>
+          </a:lnRef>
+          <a:fillRef idx="0">
+            <a:schemeClr val="accent1"/>
+          </a:fillRef>
+          <a:effectRef idx="1">
+            <a:schemeClr val="accent1"/>
+          </a:effectRef>
+          <a:fontRef idx="minor">
+            <a:schemeClr val="tx1"/>
+          </a:fontRef>
+        </p:style>
+      </p:cxnSp>
+      <p:cxnSp>
+        <p:nvCxnSpPr>
+          <p:cNvPr id="67" name="Straight Connector 66"/>
+          <p:cNvCxnSpPr/>
+          <p:nvPr/>
+        </p:nvCxnSpPr>
+        <p:spPr>
+          <a:xfrm>
+            <a:off x="2986768" y="3440792"/>
+            <a:ext cx="604971" cy="0"/>
+          </a:xfrm>
+          <a:prstGeom prst="line">
+            <a:avLst/>
+          </a:prstGeom>
+          <a:ln w="9525" cmpd="sng">
+            <a:solidFill>
+              <a:schemeClr val="tx1"/>
+            </a:solidFill>
+          </a:ln>
+          <a:effectLst/>
+        </p:spPr>
+        <p:style>
+          <a:lnRef idx="2">
+            <a:schemeClr val="accent1"/>
+          </a:lnRef>
+          <a:fillRef idx="0">
+            <a:schemeClr val="accent1"/>
+          </a:fillRef>
+          <a:effectRef idx="1">
+            <a:schemeClr val="accent1"/>
+          </a:effectRef>
+          <a:fontRef idx="minor">
+            <a:schemeClr val="tx1"/>
+          </a:fontRef>
+        </p:style>
+      </p:cxnSp>
+      <p:cxnSp>
+        <p:nvCxnSpPr>
+          <p:cNvPr id="68" name="Straight Connector 67"/>
+          <p:cNvCxnSpPr/>
+          <p:nvPr/>
+        </p:nvCxnSpPr>
+        <p:spPr>
+          <a:xfrm flipH="1">
+            <a:off x="1109138" y="3110810"/>
+            <a:ext cx="4235" cy="640389"/>
+          </a:xfrm>
+          <a:prstGeom prst="line">
+            <a:avLst/>
+          </a:prstGeom>
+          <a:ln w="9525" cmpd="sng">
+            <a:solidFill>
+              <a:schemeClr val="tx1"/>
+            </a:solidFill>
+            <a:prstDash val="dot"/>
+          </a:ln>
+          <a:effectLst/>
+        </p:spPr>
+        <p:style>
+          <a:lnRef idx="2">
+            <a:schemeClr val="accent1"/>
+          </a:lnRef>
+          <a:fillRef idx="0">
+            <a:schemeClr val="accent1"/>
+          </a:fillRef>
+          <a:effectRef idx="1">
+            <a:schemeClr val="accent1"/>
+          </a:effectRef>
+          <a:fontRef idx="minor">
+            <a:schemeClr val="tx1"/>
+          </a:fontRef>
+        </p:style>
+      </p:cxnSp>
+      <p:cxnSp>
+        <p:nvCxnSpPr>
+          <p:cNvPr id="69" name="Straight Connector 68"/>
+          <p:cNvCxnSpPr/>
+          <p:nvPr/>
+        </p:nvCxnSpPr>
+        <p:spPr>
+          <a:xfrm>
+            <a:off x="3470582" y="3110810"/>
+            <a:ext cx="0" cy="747720"/>
+          </a:xfrm>
+          <a:prstGeom prst="line">
+            <a:avLst/>
+          </a:prstGeom>
+          <a:ln w="9525" cmpd="sng">
+            <a:solidFill>
+              <a:schemeClr val="tx1"/>
+            </a:solidFill>
+            <a:prstDash val="dot"/>
+          </a:ln>
+          <a:effectLst/>
+        </p:spPr>
+        <p:style>
+          <a:lnRef idx="2">
+            <a:schemeClr val="accent1"/>
+          </a:lnRef>
+          <a:fillRef idx="0">
+            <a:schemeClr val="accent1"/>
+          </a:fillRef>
+          <a:effectRef idx="1">
+            <a:schemeClr val="accent1"/>
+          </a:effectRef>
+          <a:fontRef idx="minor">
+            <a:schemeClr val="tx1"/>
+          </a:fontRef>
+        </p:style>
+      </p:cxnSp>
+      <p:cxnSp>
+        <p:nvCxnSpPr>
+          <p:cNvPr id="70" name="Straight Connector 69"/>
+          <p:cNvCxnSpPr/>
+          <p:nvPr/>
+        </p:nvCxnSpPr>
+        <p:spPr>
+          <a:xfrm>
+            <a:off x="1113372" y="3138012"/>
+            <a:ext cx="2357210" cy="0"/>
+          </a:xfrm>
+          <a:prstGeom prst="line">
+            <a:avLst/>
+          </a:prstGeom>
+          <a:ln w="9525" cmpd="sng">
+            <a:solidFill>
+              <a:srgbClr val="000000"/>
+            </a:solidFill>
+            <a:prstDash val="sysDash"/>
+            <a:headEnd type="stealth"/>
+            <a:tailEnd type="none"/>
+          </a:ln>
+          <a:effectLst/>
+        </p:spPr>
+        <p:style>
+          <a:lnRef idx="2">
+            <a:schemeClr val="accent1"/>
+          </a:lnRef>
+          <a:fillRef idx="0">
+            <a:schemeClr val="accent1"/>
+          </a:fillRef>
+          <a:effectRef idx="1">
+            <a:schemeClr val="accent1"/>
+          </a:effectRef>
+          <a:fontRef idx="minor">
+            <a:schemeClr val="tx1"/>
+          </a:fontRef>
+        </p:style>
+      </p:cxnSp>
+      <p:cxnSp>
+        <p:nvCxnSpPr>
+          <p:cNvPr id="73" name="Straight Connector 72"/>
+          <p:cNvCxnSpPr/>
+          <p:nvPr/>
+        </p:nvCxnSpPr>
+        <p:spPr>
+          <a:xfrm>
+            <a:off x="2986768" y="3297506"/>
+            <a:ext cx="241322" cy="0"/>
+          </a:xfrm>
+          <a:prstGeom prst="line">
+            <a:avLst/>
+          </a:prstGeom>
+          <a:ln w="9525" cmpd="sng">
+            <a:solidFill>
+              <a:srgbClr val="000000"/>
+            </a:solidFill>
+            <a:prstDash val="sysDash"/>
+            <a:headEnd type="stealth"/>
+            <a:tailEnd type="none"/>
+          </a:ln>
+          <a:effectLst/>
+        </p:spPr>
+        <p:style>
+          <a:lnRef idx="2">
+            <a:schemeClr val="accent1"/>
+          </a:lnRef>
+          <a:fillRef idx="0">
+            <a:schemeClr val="accent1"/>
+          </a:fillRef>
+          <a:effectRef idx="1">
+            <a:schemeClr val="accent1"/>
+          </a:effectRef>
+          <a:fontRef idx="minor">
+            <a:schemeClr val="tx1"/>
+          </a:fontRef>
+        </p:style>
+      </p:cxnSp>
+      <p:cxnSp>
+        <p:nvCxnSpPr>
+          <p:cNvPr id="74" name="Straight Connector 73"/>
+          <p:cNvCxnSpPr/>
+          <p:nvPr/>
+        </p:nvCxnSpPr>
+        <p:spPr>
+          <a:xfrm flipH="1">
+            <a:off x="2605376" y="3299797"/>
+            <a:ext cx="220525" cy="0"/>
+          </a:xfrm>
+          <a:prstGeom prst="line">
+            <a:avLst/>
+          </a:prstGeom>
+          <a:ln w="9525" cmpd="sng">
+            <a:solidFill>
+              <a:srgbClr val="000000"/>
+            </a:solidFill>
+            <a:prstDash val="sysDash"/>
+            <a:headEnd type="stealth"/>
+            <a:tailEnd type="none"/>
+          </a:ln>
+          <a:effectLst/>
+        </p:spPr>
+        <p:style>
+          <a:lnRef idx="2">
+            <a:schemeClr val="accent1"/>
+          </a:lnRef>
+          <a:fillRef idx="0">
+            <a:schemeClr val="accent1"/>
+          </a:fillRef>
+          <a:effectRef idx="1">
+            <a:schemeClr val="accent1"/>
+          </a:effectRef>
+          <a:fontRef idx="minor">
+            <a:schemeClr val="tx1"/>
+          </a:fontRef>
+        </p:style>
+      </p:cxnSp>
+      <p:cxnSp>
+        <p:nvCxnSpPr>
+          <p:cNvPr id="75" name="Straight Connector 74"/>
+          <p:cNvCxnSpPr/>
+          <p:nvPr/>
+        </p:nvCxnSpPr>
+        <p:spPr>
+          <a:xfrm flipH="1">
+            <a:off x="1113373" y="3517124"/>
+            <a:ext cx="1712567" cy="0"/>
+          </a:xfrm>
+          <a:prstGeom prst="line">
+            <a:avLst/>
+          </a:prstGeom>
+          <a:ln w="9525" cmpd="sng">
+            <a:solidFill>
+              <a:srgbClr val="000000"/>
+            </a:solidFill>
+            <a:prstDash val="sysDash"/>
+            <a:headEnd type="stealth"/>
+            <a:tailEnd type="none"/>
+          </a:ln>
+          <a:effectLst/>
+        </p:spPr>
+        <p:style>
+          <a:lnRef idx="2">
+            <a:schemeClr val="accent1"/>
+          </a:lnRef>
+          <a:fillRef idx="0">
+            <a:schemeClr val="accent1"/>
+          </a:fillRef>
+          <a:effectRef idx="1">
+            <a:schemeClr val="accent1"/>
+          </a:effectRef>
+          <a:fontRef idx="minor">
+            <a:schemeClr val="tx1"/>
+          </a:fontRef>
+        </p:style>
+      </p:cxnSp>
+      <p:cxnSp>
+        <p:nvCxnSpPr>
+          <p:cNvPr id="76" name="Straight Connector 75"/>
+          <p:cNvCxnSpPr/>
+          <p:nvPr/>
+        </p:nvCxnSpPr>
+        <p:spPr>
+          <a:xfrm>
+            <a:off x="2825940" y="3252075"/>
+            <a:ext cx="0" cy="499124"/>
+          </a:xfrm>
+          <a:prstGeom prst="line">
+            <a:avLst/>
+          </a:prstGeom>
+          <a:ln w="9525" cmpd="sng">
+            <a:solidFill>
+              <a:schemeClr val="tx1"/>
+            </a:solidFill>
+            <a:prstDash val="dot"/>
+          </a:ln>
+          <a:effectLst/>
+        </p:spPr>
+        <p:style>
+          <a:lnRef idx="2">
+            <a:schemeClr val="accent1"/>
+          </a:lnRef>
+          <a:fillRef idx="0">
+            <a:schemeClr val="accent1"/>
+          </a:fillRef>
+          <a:effectRef idx="1">
+            <a:schemeClr val="accent1"/>
+          </a:effectRef>
+          <a:fontRef idx="minor">
+            <a:schemeClr val="tx1"/>
+          </a:fontRef>
+        </p:style>
+      </p:cxnSp>
+      <p:sp>
+        <p:nvSpPr>
+          <p:cNvPr id="77" name="TextBox 76"/>
+          <p:cNvSpPr txBox="1"/>
+          <p:nvPr/>
+        </p:nvSpPr>
+        <p:spPr>
+          <a:xfrm>
+            <a:off x="1558677" y="3070757"/>
+            <a:ext cx="340508" cy="276999"/>
+          </a:xfrm>
+          <a:prstGeom prst="rect">
+            <a:avLst/>
+          </a:prstGeom>
+          <a:noFill/>
+        </p:spPr>
+        <p:txBody>
+          <a:bodyPr wrap="none" rtlCol="0">
+            <a:spAutoFit/>
+          </a:bodyPr>
+          <a:lstStyle/>
+          <a:p>
+            <a:r>
+              <a:rPr lang="en-US" sz="1200" dirty="0" err="1" smtClean="0"/>
+              <a:t>Tp</a:t>
+            </a:r>
+            <a:endParaRPr lang="en-US" sz="1200" dirty="0"/>
+          </a:p>
+        </p:txBody>
+      </p:sp>
+      <p:sp>
+        <p:nvSpPr>
+          <p:cNvPr id="79" name="TextBox 78"/>
+          <p:cNvSpPr txBox="1"/>
+          <p:nvPr/>
+        </p:nvSpPr>
+        <p:spPr>
+          <a:xfrm>
+            <a:off x="533344" y="3263389"/>
+            <a:ext cx="338554" cy="276999"/>
+          </a:xfrm>
+          <a:prstGeom prst="rect">
+            <a:avLst/>
+          </a:prstGeom>
+          <a:noFill/>
+        </p:spPr>
+        <p:txBody>
+          <a:bodyPr wrap="none" rtlCol="0">
+            <a:spAutoFit/>
+          </a:bodyPr>
+          <a:lstStyle/>
+          <a:p>
+            <a:r>
+              <a:rPr lang="en-US" sz="1200" dirty="0" smtClean="0"/>
+              <a:t>S2</a:t>
+            </a:r>
+            <a:endParaRPr lang="en-US" sz="1200" dirty="0"/>
+          </a:p>
+        </p:txBody>
+      </p:sp>
+      <p:sp>
+        <p:nvSpPr>
+          <p:cNvPr id="81" name="TextBox 80"/>
+          <p:cNvSpPr txBox="1"/>
+          <p:nvPr/>
+        </p:nvSpPr>
+        <p:spPr>
+          <a:xfrm>
+            <a:off x="2290261" y="3143962"/>
+            <a:ext cx="402674" cy="276999"/>
+          </a:xfrm>
+          <a:prstGeom prst="rect">
+            <a:avLst/>
+          </a:prstGeom>
+          <a:noFill/>
+        </p:spPr>
+        <p:txBody>
+          <a:bodyPr wrap="none" rtlCol="0">
+            <a:spAutoFit/>
+          </a:bodyPr>
+          <a:lstStyle/>
+          <a:p>
+            <a:r>
+              <a:rPr lang="en-US" sz="1200" dirty="0" smtClean="0"/>
+              <a:t>Ts2</a:t>
+            </a:r>
+            <a:endParaRPr lang="en-US" sz="1200" dirty="0"/>
+          </a:p>
+        </p:txBody>
+      </p:sp>
+      <p:sp>
+        <p:nvSpPr>
+          <p:cNvPr id="82" name="TextBox 81"/>
+          <p:cNvSpPr txBox="1"/>
+          <p:nvPr/>
+        </p:nvSpPr>
+        <p:spPr>
+          <a:xfrm>
+            <a:off x="1678131" y="3457706"/>
+            <a:ext cx="421359" cy="276999"/>
+          </a:xfrm>
+          <a:prstGeom prst="rect">
+            <a:avLst/>
+          </a:prstGeom>
+          <a:noFill/>
+        </p:spPr>
+        <p:txBody>
+          <a:bodyPr wrap="none" rtlCol="0">
+            <a:spAutoFit/>
+          </a:bodyPr>
+          <a:lstStyle/>
+          <a:p>
+            <a:r>
+              <a:rPr lang="en-US" sz="1200" dirty="0" err="1" smtClean="0"/>
+              <a:t>Tdn</a:t>
+            </a:r>
+            <a:endParaRPr lang="en-US" sz="1200" dirty="0"/>
+          </a:p>
+        </p:txBody>
+      </p:sp>
+      <p:sp>
+        <p:nvSpPr>
+          <p:cNvPr id="83" name="Right Brace 82"/>
+          <p:cNvSpPr/>
+          <p:nvPr/>
+        </p:nvSpPr>
+        <p:spPr>
+          <a:xfrm rot="5400000">
+            <a:off x="2190773" y="2898607"/>
+            <a:ext cx="202409" cy="2357210"/>
+          </a:xfrm>
+          <a:prstGeom prst="rightBrace">
+            <a:avLst/>
+          </a:prstGeom>
+          <a:ln w="12700" cmpd="sng">
+            <a:solidFill>
+              <a:srgbClr val="000000"/>
+            </a:solidFill>
+          </a:ln>
+          <a:effectLst/>
+        </p:spPr>
+        <p:style>
+          <a:lnRef idx="2">
+            <a:schemeClr val="accent1"/>
+          </a:lnRef>
+          <a:fillRef idx="0">
+            <a:schemeClr val="accent1"/>
+          </a:fillRef>
+          <a:effectRef idx="1">
+            <a:schemeClr val="accent1"/>
+          </a:effectRef>
+          <a:fontRef idx="minor">
+            <a:schemeClr val="tx1"/>
+          </a:fontRef>
+        </p:style>
+        <p:txBody>
+          <a:bodyPr rtlCol="0" anchor="ctr"/>
+          <a:lstStyle/>
+          <a:p>
+            <a:pPr algn="ctr"/>
+            <a:endParaRPr lang="en-US"/>
+          </a:p>
+        </p:txBody>
+      </p:sp>
+      <p:sp>
+        <p:nvSpPr>
+          <p:cNvPr id="84" name="TextBox 83"/>
+          <p:cNvSpPr txBox="1"/>
+          <p:nvPr/>
+        </p:nvSpPr>
+        <p:spPr>
+          <a:xfrm>
+            <a:off x="1678131" y="4107251"/>
+            <a:ext cx="1225591" cy="276999"/>
+          </a:xfrm>
+          <a:prstGeom prst="rect">
+            <a:avLst/>
+          </a:prstGeom>
+          <a:noFill/>
+        </p:spPr>
+        <p:txBody>
+          <a:bodyPr wrap="none" rtlCol="0">
+            <a:spAutoFit/>
+          </a:bodyPr>
+          <a:lstStyle/>
+          <a:p>
+            <a:r>
+              <a:rPr lang="en-US" sz="1200" dirty="0" smtClean="0"/>
+              <a:t>Repeats m </a:t>
+            </a:r>
+            <a:r>
+              <a:rPr lang="en-US" sz="1200" dirty="0" smtClean="0"/>
+              <a:t>times</a:t>
+            </a:r>
+            <a:endParaRPr lang="en-US" sz="1200" dirty="0"/>
+          </a:p>
+        </p:txBody>
+      </p:sp>
+      <p:grpSp>
+        <p:nvGrpSpPr>
+          <p:cNvPr id="85" name="Group 84"/>
+          <p:cNvGrpSpPr/>
+          <p:nvPr/>
+        </p:nvGrpSpPr>
+        <p:grpSpPr>
+          <a:xfrm>
+            <a:off x="948271" y="2750082"/>
+            <a:ext cx="160867" cy="247650"/>
+            <a:chOff x="1028700" y="1254125"/>
+            <a:chExt cx="160867" cy="247650"/>
+          </a:xfrm>
+        </p:grpSpPr>
+        <p:cxnSp>
+          <p:nvCxnSpPr>
+            <p:cNvPr id="86" name="Straight Connector 85"/>
+            <p:cNvCxnSpPr/>
+            <p:nvPr/>
+          </p:nvCxnSpPr>
+          <p:spPr>
+            <a:xfrm>
+              <a:off x="1028700" y="1254125"/>
+              <a:ext cx="0" cy="247650"/>
+            </a:xfrm>
+            <a:prstGeom prst="line">
+              <a:avLst/>
+            </a:prstGeom>
+            <a:ln w="9525" cmpd="sng">
+              <a:solidFill>
+                <a:schemeClr val="tx1"/>
+              </a:solidFill>
+            </a:ln>
+            <a:effectLst/>
+          </p:spPr>
+          <p:style>
+            <a:lnRef idx="2">
+              <a:schemeClr val="accent1"/>
+            </a:lnRef>
+            <a:fillRef idx="0">
+              <a:schemeClr val="accent1"/>
+            </a:fillRef>
+            <a:effectRef idx="1">
+              <a:schemeClr val="accent1"/>
+            </a:effectRef>
+            <a:fontRef idx="minor">
+              <a:schemeClr val="tx1"/>
+            </a:fontRef>
+          </p:style>
+        </p:cxnSp>
+        <p:cxnSp>
+          <p:nvCxnSpPr>
+            <p:cNvPr id="87" name="Straight Connector 86"/>
+            <p:cNvCxnSpPr/>
+            <p:nvPr/>
+          </p:nvCxnSpPr>
+          <p:spPr>
+            <a:xfrm>
+              <a:off x="1189567" y="1254125"/>
+              <a:ext cx="0" cy="247650"/>
+            </a:xfrm>
+            <a:prstGeom prst="line">
+              <a:avLst/>
+            </a:prstGeom>
+            <a:ln w="9525" cmpd="sng">
+              <a:solidFill>
+                <a:schemeClr val="tx1"/>
+              </a:solidFill>
+            </a:ln>
+            <a:effectLst/>
+          </p:spPr>
+          <p:style>
+            <a:lnRef idx="2">
+              <a:schemeClr val="accent1"/>
+            </a:lnRef>
+            <a:fillRef idx="0">
+              <a:schemeClr val="accent1"/>
+            </a:fillRef>
+            <a:effectRef idx="1">
+              <a:schemeClr val="accent1"/>
+            </a:effectRef>
+            <a:fontRef idx="minor">
+              <a:schemeClr val="tx1"/>
+            </a:fontRef>
+          </p:style>
+        </p:cxnSp>
+        <p:cxnSp>
+          <p:nvCxnSpPr>
+            <p:cNvPr id="88" name="Straight Connector 87"/>
+            <p:cNvCxnSpPr/>
+            <p:nvPr/>
+          </p:nvCxnSpPr>
+          <p:spPr>
+            <a:xfrm>
+              <a:off x="1028700" y="1254125"/>
+              <a:ext cx="160867" cy="0"/>
+            </a:xfrm>
+            <a:prstGeom prst="line">
+              <a:avLst/>
+            </a:prstGeom>
+            <a:ln w="9525" cmpd="sng">
+              <a:solidFill>
+                <a:schemeClr val="tx1"/>
+              </a:solidFill>
+            </a:ln>
+            <a:effectLst/>
+          </p:spPr>
+          <p:style>
+            <a:lnRef idx="2">
+              <a:schemeClr val="accent1"/>
+            </a:lnRef>
+            <a:fillRef idx="0">
+              <a:schemeClr val="accent1"/>
+            </a:fillRef>
+            <a:effectRef idx="1">
+              <a:schemeClr val="accent1"/>
+            </a:effectRef>
+            <a:fontRef idx="minor">
+              <a:schemeClr val="tx1"/>
+            </a:fontRef>
+          </p:style>
+        </p:cxnSp>
+      </p:grpSp>
+      <p:cxnSp>
+        <p:nvCxnSpPr>
+          <p:cNvPr id="89" name="Straight Connector 88"/>
+          <p:cNvCxnSpPr/>
+          <p:nvPr/>
+        </p:nvCxnSpPr>
+        <p:spPr>
+          <a:xfrm>
+            <a:off x="1109138" y="2997732"/>
+            <a:ext cx="2482601" cy="0"/>
+          </a:xfrm>
+          <a:prstGeom prst="line">
+            <a:avLst/>
+          </a:prstGeom>
+          <a:ln w="9525" cmpd="sng">
+            <a:solidFill>
+              <a:schemeClr val="tx1"/>
+            </a:solidFill>
+          </a:ln>
+          <a:effectLst/>
+        </p:spPr>
+        <p:style>
+          <a:lnRef idx="2">
+            <a:schemeClr val="accent1"/>
+          </a:lnRef>
+          <a:fillRef idx="0">
+            <a:schemeClr val="accent1"/>
+          </a:fillRef>
+          <a:effectRef idx="1">
+            <a:schemeClr val="accent1"/>
+          </a:effectRef>
+          <a:fontRef idx="minor">
+            <a:schemeClr val="tx1"/>
+          </a:fontRef>
+        </p:style>
+      </p:cxnSp>
+      <p:cxnSp>
+        <p:nvCxnSpPr>
+          <p:cNvPr id="90" name="Straight Connector 89"/>
+          <p:cNvCxnSpPr/>
+          <p:nvPr/>
+        </p:nvCxnSpPr>
+        <p:spPr>
+          <a:xfrm>
+            <a:off x="796338" y="2997732"/>
+            <a:ext cx="151933" cy="0"/>
+          </a:xfrm>
+          <a:prstGeom prst="line">
+            <a:avLst/>
+          </a:prstGeom>
+          <a:ln w="9525" cmpd="sng">
+            <a:solidFill>
+              <a:schemeClr val="tx1"/>
+            </a:solidFill>
+          </a:ln>
+          <a:effectLst/>
+        </p:spPr>
+        <p:style>
+          <a:lnRef idx="2">
+            <a:schemeClr val="accent1"/>
+          </a:lnRef>
+          <a:fillRef idx="0">
+            <a:schemeClr val="accent1"/>
+          </a:fillRef>
+          <a:effectRef idx="1">
+            <a:schemeClr val="accent1"/>
+          </a:effectRef>
+          <a:fontRef idx="minor">
+            <a:schemeClr val="tx1"/>
+          </a:fontRef>
+        </p:style>
+      </p:cxnSp>
+      <p:cxnSp>
+        <p:nvCxnSpPr>
+          <p:cNvPr id="91" name="Straight Connector 90"/>
+          <p:cNvCxnSpPr/>
+          <p:nvPr/>
+        </p:nvCxnSpPr>
+        <p:spPr>
+          <a:xfrm>
+            <a:off x="789754" y="3858530"/>
+            <a:ext cx="317034" cy="0"/>
+          </a:xfrm>
+          <a:prstGeom prst="line">
+            <a:avLst/>
+          </a:prstGeom>
+          <a:ln w="9525" cmpd="sng">
+            <a:solidFill>
+              <a:schemeClr val="tx1"/>
+            </a:solidFill>
+          </a:ln>
+          <a:effectLst/>
+        </p:spPr>
+        <p:style>
+          <a:lnRef idx="2">
+            <a:schemeClr val="accent1"/>
+          </a:lnRef>
+          <a:fillRef idx="0">
+            <a:schemeClr val="accent1"/>
+          </a:fillRef>
+          <a:effectRef idx="1">
+            <a:schemeClr val="accent1"/>
+          </a:effectRef>
+          <a:fontRef idx="minor">
+            <a:schemeClr val="tx1"/>
+          </a:fontRef>
+        </p:style>
+      </p:cxnSp>
+      <p:grpSp>
+        <p:nvGrpSpPr>
+          <p:cNvPr id="92" name="Group 91"/>
+          <p:cNvGrpSpPr/>
+          <p:nvPr/>
+        </p:nvGrpSpPr>
+        <p:grpSpPr>
+          <a:xfrm>
+            <a:off x="1104905" y="3610880"/>
+            <a:ext cx="160867" cy="247650"/>
+            <a:chOff x="1028700" y="1254125"/>
+            <a:chExt cx="160867" cy="247650"/>
+          </a:xfrm>
+        </p:grpSpPr>
+        <p:cxnSp>
+          <p:nvCxnSpPr>
+            <p:cNvPr id="93" name="Straight Connector 92"/>
+            <p:cNvCxnSpPr/>
+            <p:nvPr/>
+          </p:nvCxnSpPr>
+          <p:spPr>
+            <a:xfrm>
+              <a:off x="1028700" y="1254125"/>
+              <a:ext cx="0" cy="247650"/>
+            </a:xfrm>
+            <a:prstGeom prst="line">
+              <a:avLst/>
+            </a:prstGeom>
+            <a:ln w="9525" cmpd="sng">
+              <a:solidFill>
+                <a:schemeClr val="tx1"/>
+              </a:solidFill>
+            </a:ln>
+            <a:effectLst/>
+          </p:spPr>
+          <p:style>
+            <a:lnRef idx="2">
+              <a:schemeClr val="accent1"/>
+            </a:lnRef>
+            <a:fillRef idx="0">
+              <a:schemeClr val="accent1"/>
+            </a:fillRef>
+            <a:effectRef idx="1">
+              <a:schemeClr val="accent1"/>
+            </a:effectRef>
+            <a:fontRef idx="minor">
+              <a:schemeClr val="tx1"/>
+            </a:fontRef>
+          </p:style>
+        </p:cxnSp>
+        <p:cxnSp>
+          <p:nvCxnSpPr>
+            <p:cNvPr id="94" name="Straight Connector 93"/>
+            <p:cNvCxnSpPr/>
+            <p:nvPr/>
+          </p:nvCxnSpPr>
+          <p:spPr>
+            <a:xfrm>
+              <a:off x="1189567" y="1254125"/>
+              <a:ext cx="0" cy="247650"/>
+            </a:xfrm>
+            <a:prstGeom prst="line">
+              <a:avLst/>
+            </a:prstGeom>
+            <a:ln w="9525" cmpd="sng">
+              <a:solidFill>
+                <a:schemeClr val="tx1"/>
+              </a:solidFill>
+            </a:ln>
+            <a:effectLst/>
+          </p:spPr>
+          <p:style>
+            <a:lnRef idx="2">
+              <a:schemeClr val="accent1"/>
+            </a:lnRef>
+            <a:fillRef idx="0">
+              <a:schemeClr val="accent1"/>
+            </a:fillRef>
+            <a:effectRef idx="1">
+              <a:schemeClr val="accent1"/>
+            </a:effectRef>
+            <a:fontRef idx="minor">
+              <a:schemeClr val="tx1"/>
+            </a:fontRef>
+          </p:style>
+        </p:cxnSp>
+        <p:cxnSp>
+          <p:nvCxnSpPr>
+            <p:cNvPr id="95" name="Straight Connector 94"/>
+            <p:cNvCxnSpPr/>
+            <p:nvPr/>
+          </p:nvCxnSpPr>
+          <p:spPr>
+            <a:xfrm>
+              <a:off x="1028700" y="1254125"/>
+              <a:ext cx="160867" cy="0"/>
+            </a:xfrm>
+            <a:prstGeom prst="line">
+              <a:avLst/>
+            </a:prstGeom>
+            <a:ln w="9525" cmpd="sng">
+              <a:solidFill>
+                <a:schemeClr val="tx1"/>
+              </a:solidFill>
+            </a:ln>
+            <a:effectLst/>
+          </p:spPr>
+          <p:style>
+            <a:lnRef idx="2">
+              <a:schemeClr val="accent1"/>
+            </a:lnRef>
+            <a:fillRef idx="0">
+              <a:schemeClr val="accent1"/>
+            </a:fillRef>
+            <a:effectRef idx="1">
+              <a:schemeClr val="accent1"/>
+            </a:effectRef>
+            <a:fontRef idx="minor">
+              <a:schemeClr val="tx1"/>
+            </a:fontRef>
+          </p:style>
+        </p:cxnSp>
+      </p:grpSp>
+      <p:cxnSp>
+        <p:nvCxnSpPr>
+          <p:cNvPr id="96" name="Straight Connector 95"/>
+          <p:cNvCxnSpPr/>
+          <p:nvPr/>
+        </p:nvCxnSpPr>
+        <p:spPr>
+          <a:xfrm>
+            <a:off x="1265772" y="3858530"/>
+            <a:ext cx="2317500" cy="0"/>
+          </a:xfrm>
+          <a:prstGeom prst="line">
+            <a:avLst/>
+          </a:prstGeom>
+          <a:ln w="9525" cmpd="sng">
+            <a:solidFill>
+              <a:schemeClr val="tx1"/>
+            </a:solidFill>
+          </a:ln>
+          <a:effectLst/>
+        </p:spPr>
+        <p:style>
+          <a:lnRef idx="2">
+            <a:schemeClr val="accent1"/>
+          </a:lnRef>
+          <a:fillRef idx="0">
+            <a:schemeClr val="accent1"/>
+          </a:fillRef>
+          <a:effectRef idx="1">
+            <a:schemeClr val="accent1"/>
+          </a:effectRef>
+          <a:fontRef idx="minor">
+            <a:schemeClr val="tx1"/>
+          </a:fontRef>
+        </p:style>
+      </p:cxnSp>
+      <p:sp>
+        <p:nvSpPr>
+          <p:cNvPr id="97" name="TextBox 96"/>
+          <p:cNvSpPr txBox="1"/>
+          <p:nvPr/>
+        </p:nvSpPr>
+        <p:spPr>
+          <a:xfrm>
+            <a:off x="401586" y="2796752"/>
+            <a:ext cx="470952" cy="276999"/>
+          </a:xfrm>
+          <a:prstGeom prst="rect">
+            <a:avLst/>
+          </a:prstGeom>
+          <a:noFill/>
+        </p:spPr>
+        <p:txBody>
+          <a:bodyPr wrap="none" rtlCol="0">
+            <a:spAutoFit/>
+          </a:bodyPr>
+          <a:lstStyle/>
+          <a:p>
+            <a:r>
+              <a:rPr lang="en-US" sz="1200" dirty="0" smtClean="0"/>
+              <a:t>Sync</a:t>
+            </a:r>
+            <a:endParaRPr lang="en-US" sz="1200" dirty="0"/>
+          </a:p>
+        </p:txBody>
+      </p:sp>
+      <p:sp>
+        <p:nvSpPr>
+          <p:cNvPr id="98" name="TextBox 97"/>
+          <p:cNvSpPr txBox="1"/>
+          <p:nvPr/>
+        </p:nvSpPr>
+        <p:spPr>
+          <a:xfrm>
+            <a:off x="589603" y="3656690"/>
+            <a:ext cx="274434" cy="276999"/>
+          </a:xfrm>
+          <a:prstGeom prst="rect">
+            <a:avLst/>
+          </a:prstGeom>
+          <a:noFill/>
+        </p:spPr>
+        <p:txBody>
+          <a:bodyPr wrap="none" rtlCol="0">
+            <a:spAutoFit/>
+          </a:bodyPr>
+          <a:lstStyle/>
+          <a:p>
+            <a:r>
+              <a:rPr lang="en-US" sz="1200" dirty="0" smtClean="0"/>
+              <a:t>A</a:t>
+            </a:r>
+            <a:endParaRPr lang="en-US" sz="1200" dirty="0"/>
+          </a:p>
+        </p:txBody>
+      </p:sp>
+      <p:cxnSp>
+        <p:nvCxnSpPr>
+          <p:cNvPr id="99" name="Straight Connector 98"/>
+          <p:cNvCxnSpPr/>
+          <p:nvPr/>
+        </p:nvCxnSpPr>
+        <p:spPr>
+          <a:xfrm flipH="1">
+            <a:off x="727746" y="2796752"/>
+            <a:ext cx="220525" cy="0"/>
+          </a:xfrm>
+          <a:prstGeom prst="line">
+            <a:avLst/>
+          </a:prstGeom>
+          <a:ln w="9525" cmpd="sng">
+            <a:solidFill>
+              <a:srgbClr val="000000"/>
+            </a:solidFill>
+            <a:prstDash val="sysDash"/>
+            <a:headEnd type="stealth"/>
+            <a:tailEnd type="none"/>
+          </a:ln>
+          <a:effectLst/>
+        </p:spPr>
+        <p:style>
+          <a:lnRef idx="2">
+            <a:schemeClr val="accent1"/>
+          </a:lnRef>
+          <a:fillRef idx="0">
+            <a:schemeClr val="accent1"/>
+          </a:fillRef>
+          <a:effectRef idx="1">
+            <a:schemeClr val="accent1"/>
+          </a:effectRef>
+          <a:fontRef idx="minor">
+            <a:schemeClr val="tx1"/>
+          </a:fontRef>
+        </p:style>
+      </p:cxnSp>
+      <p:cxnSp>
+        <p:nvCxnSpPr>
+          <p:cNvPr id="100" name="Straight Connector 99"/>
+          <p:cNvCxnSpPr/>
+          <p:nvPr/>
+        </p:nvCxnSpPr>
+        <p:spPr>
+          <a:xfrm>
+            <a:off x="1113373" y="2796752"/>
+            <a:ext cx="241322" cy="0"/>
+          </a:xfrm>
+          <a:prstGeom prst="line">
+            <a:avLst/>
+          </a:prstGeom>
+          <a:ln w="9525" cmpd="sng">
+            <a:solidFill>
+              <a:srgbClr val="000000"/>
+            </a:solidFill>
+            <a:prstDash val="sysDash"/>
+            <a:headEnd type="stealth"/>
+            <a:tailEnd type="none"/>
+          </a:ln>
+          <a:effectLst/>
+        </p:spPr>
+        <p:style>
+          <a:lnRef idx="2">
+            <a:schemeClr val="accent1"/>
+          </a:lnRef>
+          <a:fillRef idx="0">
+            <a:schemeClr val="accent1"/>
+          </a:fillRef>
+          <a:effectRef idx="1">
+            <a:schemeClr val="accent1"/>
+          </a:effectRef>
+          <a:fontRef idx="minor">
+            <a:schemeClr val="tx1"/>
+          </a:fontRef>
+        </p:style>
+      </p:cxnSp>
+      <p:sp>
+        <p:nvSpPr>
+          <p:cNvPr id="101" name="TextBox 100"/>
+          <p:cNvSpPr txBox="1"/>
+          <p:nvPr/>
+        </p:nvSpPr>
+        <p:spPr>
+          <a:xfrm>
+            <a:off x="1288824" y="2598882"/>
+            <a:ext cx="492217" cy="276999"/>
+          </a:xfrm>
+          <a:prstGeom prst="rect">
+            <a:avLst/>
+          </a:prstGeom>
+          <a:noFill/>
+        </p:spPr>
+        <p:txBody>
+          <a:bodyPr wrap="none" rtlCol="0">
+            <a:spAutoFit/>
+          </a:bodyPr>
+          <a:lstStyle/>
+          <a:p>
+            <a:r>
+              <a:rPr lang="en-US" sz="1200" dirty="0" smtClean="0"/>
+              <a:t>50uS</a:t>
+            </a:r>
+            <a:endParaRPr lang="en-US" sz="1200" dirty="0"/>
+          </a:p>
+        </p:txBody>
+      </p:sp>
+      <p:sp>
+        <p:nvSpPr>
+          <p:cNvPr id="102" name="TextBox 101"/>
+          <p:cNvSpPr txBox="1"/>
+          <p:nvPr/>
+        </p:nvSpPr>
+        <p:spPr>
+          <a:xfrm>
+            <a:off x="1728931" y="2796752"/>
+            <a:ext cx="1915909" cy="246221"/>
+          </a:xfrm>
+          <a:prstGeom prst="rect">
+            <a:avLst/>
+          </a:prstGeom>
+          <a:noFill/>
+        </p:spPr>
+        <p:txBody>
+          <a:bodyPr wrap="none" rtlCol="0">
+            <a:spAutoFit/>
+          </a:bodyPr>
+          <a:lstStyle/>
+          <a:p>
+            <a:r>
+              <a:rPr lang="en-US" sz="1000" dirty="0" smtClean="0"/>
+              <a:t>Occurs once, at start of sequence </a:t>
+            </a:r>
+            <a:endParaRPr lang="en-US" sz="1000" dirty="0"/>
+          </a:p>
+        </p:txBody>
+      </p:sp>
+      <p:sp>
+        <p:nvSpPr>
+          <p:cNvPr id="104" name="TextBox 103"/>
+          <p:cNvSpPr txBox="1"/>
+          <p:nvPr/>
+        </p:nvSpPr>
+        <p:spPr>
+          <a:xfrm>
+            <a:off x="1665431" y="3237677"/>
+            <a:ext cx="662185" cy="246221"/>
+          </a:xfrm>
+          <a:prstGeom prst="rect">
+            <a:avLst/>
+          </a:prstGeom>
+          <a:noFill/>
+        </p:spPr>
+        <p:txBody>
+          <a:bodyPr wrap="none" rtlCol="0">
+            <a:spAutoFit/>
+          </a:bodyPr>
+          <a:lstStyle/>
+          <a:p>
+            <a:r>
+              <a:rPr lang="en-US" sz="1000" dirty="0" smtClean="0"/>
+              <a:t>Shutter 2</a:t>
+            </a:r>
+            <a:endParaRPr lang="en-US" sz="1000" dirty="0"/>
+          </a:p>
+        </p:txBody>
+      </p:sp>
+      <p:cxnSp>
+        <p:nvCxnSpPr>
+          <p:cNvPr id="107" name="Straight Connector 106"/>
+          <p:cNvCxnSpPr/>
+          <p:nvPr/>
+        </p:nvCxnSpPr>
+        <p:spPr>
+          <a:xfrm>
+            <a:off x="5191925" y="1214271"/>
+            <a:ext cx="317034" cy="0"/>
+          </a:xfrm>
+          <a:prstGeom prst="line">
+            <a:avLst/>
+          </a:prstGeom>
+          <a:ln w="9525" cmpd="sng">
+            <a:solidFill>
+              <a:schemeClr val="tx1"/>
+            </a:solidFill>
+          </a:ln>
+          <a:effectLst/>
+        </p:spPr>
+        <p:style>
+          <a:lnRef idx="2">
+            <a:schemeClr val="accent1"/>
+          </a:lnRef>
+          <a:fillRef idx="0">
+            <a:schemeClr val="accent1"/>
+          </a:fillRef>
+          <a:effectRef idx="1">
+            <a:schemeClr val="accent1"/>
+          </a:effectRef>
+          <a:fontRef idx="minor">
+            <a:schemeClr val="tx1"/>
+          </a:fontRef>
+        </p:style>
+      </p:cxnSp>
+      <p:grpSp>
+        <p:nvGrpSpPr>
+          <p:cNvPr id="108" name="Group 107"/>
+          <p:cNvGrpSpPr/>
+          <p:nvPr/>
+        </p:nvGrpSpPr>
+        <p:grpSpPr>
+          <a:xfrm>
+            <a:off x="5508959" y="966621"/>
+            <a:ext cx="160867" cy="247650"/>
+            <a:chOff x="1028700" y="1254125"/>
+            <a:chExt cx="160867" cy="247650"/>
+          </a:xfrm>
+        </p:grpSpPr>
+        <p:cxnSp>
+          <p:nvCxnSpPr>
+            <p:cNvPr id="109" name="Straight Connector 108"/>
+            <p:cNvCxnSpPr/>
+            <p:nvPr/>
+          </p:nvCxnSpPr>
+          <p:spPr>
+            <a:xfrm>
+              <a:off x="1028700" y="1254125"/>
+              <a:ext cx="0" cy="247650"/>
+            </a:xfrm>
+            <a:prstGeom prst="line">
+              <a:avLst/>
+            </a:prstGeom>
+            <a:ln w="9525" cmpd="sng">
+              <a:solidFill>
+                <a:schemeClr val="tx1"/>
+              </a:solidFill>
+            </a:ln>
+            <a:effectLst/>
+          </p:spPr>
+          <p:style>
+            <a:lnRef idx="2">
+              <a:schemeClr val="accent1"/>
+            </a:lnRef>
+            <a:fillRef idx="0">
+              <a:schemeClr val="accent1"/>
+            </a:fillRef>
+            <a:effectRef idx="1">
+              <a:schemeClr val="accent1"/>
+            </a:effectRef>
+            <a:fontRef idx="minor">
+              <a:schemeClr val="tx1"/>
+            </a:fontRef>
+          </p:style>
+        </p:cxnSp>
+        <p:cxnSp>
+          <p:nvCxnSpPr>
+            <p:cNvPr id="110" name="Straight Connector 109"/>
+            <p:cNvCxnSpPr/>
+            <p:nvPr/>
+          </p:nvCxnSpPr>
+          <p:spPr>
+            <a:xfrm>
+              <a:off x="1189567" y="1254125"/>
+              <a:ext cx="0" cy="247650"/>
+            </a:xfrm>
+            <a:prstGeom prst="line">
+              <a:avLst/>
+            </a:prstGeom>
+            <a:ln w="9525" cmpd="sng">
+              <a:solidFill>
+                <a:schemeClr val="tx1"/>
+              </a:solidFill>
+            </a:ln>
+            <a:effectLst/>
+          </p:spPr>
+          <p:style>
+            <a:lnRef idx="2">
+              <a:schemeClr val="accent1"/>
+            </a:lnRef>
+            <a:fillRef idx="0">
+              <a:schemeClr val="accent1"/>
+            </a:fillRef>
+            <a:effectRef idx="1">
+              <a:schemeClr val="accent1"/>
+            </a:effectRef>
+            <a:fontRef idx="minor">
+              <a:schemeClr val="tx1"/>
+            </a:fontRef>
+          </p:style>
+        </p:cxnSp>
+        <p:cxnSp>
+          <p:nvCxnSpPr>
+            <p:cNvPr id="111" name="Straight Connector 110"/>
+            <p:cNvCxnSpPr/>
+            <p:nvPr/>
+          </p:nvCxnSpPr>
+          <p:spPr>
+            <a:xfrm>
+              <a:off x="1028700" y="1254125"/>
+              <a:ext cx="160867" cy="0"/>
+            </a:xfrm>
+            <a:prstGeom prst="line">
+              <a:avLst/>
+            </a:prstGeom>
+            <a:ln w="9525" cmpd="sng">
+              <a:solidFill>
+                <a:schemeClr val="tx1"/>
+              </a:solidFill>
+            </a:ln>
+            <a:effectLst/>
+          </p:spPr>
+          <p:style>
+            <a:lnRef idx="2">
+              <a:schemeClr val="accent1"/>
+            </a:lnRef>
+            <a:fillRef idx="0">
+              <a:schemeClr val="accent1"/>
+            </a:fillRef>
+            <a:effectRef idx="1">
+              <a:schemeClr val="accent1"/>
+            </a:effectRef>
+            <a:fontRef idx="minor">
+              <a:schemeClr val="tx1"/>
+            </a:fontRef>
+          </p:style>
+        </p:cxnSp>
+      </p:grpSp>
+      <p:cxnSp>
+        <p:nvCxnSpPr>
+          <p:cNvPr id="112" name="Straight Connector 111"/>
+          <p:cNvCxnSpPr/>
+          <p:nvPr/>
+        </p:nvCxnSpPr>
+        <p:spPr>
+          <a:xfrm>
+            <a:off x="5669826" y="1214271"/>
+            <a:ext cx="2317500" cy="0"/>
+          </a:xfrm>
+          <a:prstGeom prst="line">
+            <a:avLst/>
+          </a:prstGeom>
+          <a:ln w="9525" cmpd="sng">
+            <a:solidFill>
+              <a:schemeClr val="tx1"/>
+            </a:solidFill>
+          </a:ln>
+          <a:effectLst/>
+        </p:spPr>
+        <p:style>
+          <a:lnRef idx="2">
+            <a:schemeClr val="accent1"/>
+          </a:lnRef>
+          <a:fillRef idx="0">
+            <a:schemeClr val="accent1"/>
+          </a:fillRef>
+          <a:effectRef idx="1">
+            <a:schemeClr val="accent1"/>
+          </a:effectRef>
+          <a:fontRef idx="minor">
+            <a:schemeClr val="tx1"/>
+          </a:fontRef>
+        </p:style>
+      </p:cxnSp>
+      <p:grpSp>
+        <p:nvGrpSpPr>
+          <p:cNvPr id="113" name="Group 112"/>
+          <p:cNvGrpSpPr/>
+          <p:nvPr/>
+        </p:nvGrpSpPr>
+        <p:grpSpPr>
+          <a:xfrm>
+            <a:off x="7221488" y="1299537"/>
+            <a:ext cx="160867" cy="247650"/>
+            <a:chOff x="1028700" y="1254125"/>
+            <a:chExt cx="160867" cy="247650"/>
+          </a:xfrm>
+        </p:grpSpPr>
+        <p:cxnSp>
+          <p:nvCxnSpPr>
+            <p:cNvPr id="114" name="Straight Connector 113"/>
+            <p:cNvCxnSpPr/>
+            <p:nvPr/>
+          </p:nvCxnSpPr>
+          <p:spPr>
+            <a:xfrm>
+              <a:off x="1028700" y="1254125"/>
+              <a:ext cx="0" cy="247650"/>
+            </a:xfrm>
+            <a:prstGeom prst="line">
+              <a:avLst/>
+            </a:prstGeom>
+            <a:ln w="9525" cmpd="sng">
+              <a:solidFill>
+                <a:schemeClr val="tx1"/>
+              </a:solidFill>
+            </a:ln>
+            <a:effectLst/>
+          </p:spPr>
+          <p:style>
+            <a:lnRef idx="2">
+              <a:schemeClr val="accent1"/>
+            </a:lnRef>
+            <a:fillRef idx="0">
+              <a:schemeClr val="accent1"/>
+            </a:fillRef>
+            <a:effectRef idx="1">
+              <a:schemeClr val="accent1"/>
+            </a:effectRef>
+            <a:fontRef idx="minor">
+              <a:schemeClr val="tx1"/>
+            </a:fontRef>
+          </p:style>
+        </p:cxnSp>
+        <p:cxnSp>
+          <p:nvCxnSpPr>
+            <p:cNvPr id="115" name="Straight Connector 114"/>
+            <p:cNvCxnSpPr/>
+            <p:nvPr/>
+          </p:nvCxnSpPr>
+          <p:spPr>
+            <a:xfrm>
+              <a:off x="1189567" y="1254125"/>
+              <a:ext cx="0" cy="247650"/>
+            </a:xfrm>
+            <a:prstGeom prst="line">
+              <a:avLst/>
+            </a:prstGeom>
+            <a:ln w="9525" cmpd="sng">
+              <a:solidFill>
+                <a:schemeClr val="tx1"/>
+              </a:solidFill>
+            </a:ln>
+            <a:effectLst/>
+          </p:spPr>
+          <p:style>
+            <a:lnRef idx="2">
+              <a:schemeClr val="accent1"/>
+            </a:lnRef>
+            <a:fillRef idx="0">
+              <a:schemeClr val="accent1"/>
+            </a:fillRef>
+            <a:effectRef idx="1">
+              <a:schemeClr val="accent1"/>
+            </a:effectRef>
+            <a:fontRef idx="minor">
+              <a:schemeClr val="tx1"/>
+            </a:fontRef>
+          </p:style>
+        </p:cxnSp>
+        <p:cxnSp>
+          <p:nvCxnSpPr>
+            <p:cNvPr id="116" name="Straight Connector 115"/>
+            <p:cNvCxnSpPr/>
+            <p:nvPr/>
+          </p:nvCxnSpPr>
+          <p:spPr>
+            <a:xfrm>
+              <a:off x="1028700" y="1254125"/>
+              <a:ext cx="160867" cy="0"/>
+            </a:xfrm>
+            <a:prstGeom prst="line">
+              <a:avLst/>
+            </a:prstGeom>
+            <a:ln w="9525" cmpd="sng">
+              <a:solidFill>
+                <a:schemeClr val="tx1"/>
+              </a:solidFill>
+            </a:ln>
+            <a:effectLst/>
+          </p:spPr>
+          <p:style>
+            <a:lnRef idx="2">
+              <a:schemeClr val="accent1"/>
+            </a:lnRef>
+            <a:fillRef idx="0">
+              <a:schemeClr val="accent1"/>
+            </a:fillRef>
+            <a:effectRef idx="1">
+              <a:schemeClr val="accent1"/>
+            </a:effectRef>
+            <a:fontRef idx="minor">
+              <a:schemeClr val="tx1"/>
+            </a:fontRef>
+          </p:style>
+        </p:cxnSp>
+      </p:grpSp>
+      <p:cxnSp>
+        <p:nvCxnSpPr>
+          <p:cNvPr id="117" name="Straight Connector 116"/>
+          <p:cNvCxnSpPr/>
+          <p:nvPr/>
+        </p:nvCxnSpPr>
+        <p:spPr>
+          <a:xfrm flipV="1">
+            <a:off x="5191925" y="1547187"/>
+            <a:ext cx="2029563" cy="16914"/>
+          </a:xfrm>
+          <a:prstGeom prst="line">
+            <a:avLst/>
+          </a:prstGeom>
+          <a:ln w="9525" cmpd="sng">
+            <a:solidFill>
+              <a:schemeClr val="tx1"/>
+            </a:solidFill>
+          </a:ln>
+          <a:effectLst/>
+        </p:spPr>
+        <p:style>
+          <a:lnRef idx="2">
+            <a:schemeClr val="accent1"/>
+          </a:lnRef>
+          <a:fillRef idx="0">
+            <a:schemeClr val="accent1"/>
+          </a:fillRef>
+          <a:effectRef idx="1">
+            <a:schemeClr val="accent1"/>
+          </a:effectRef>
+          <a:fontRef idx="minor">
+            <a:schemeClr val="tx1"/>
+          </a:fontRef>
+        </p:style>
+      </p:cxnSp>
+      <p:cxnSp>
+        <p:nvCxnSpPr>
+          <p:cNvPr id="118" name="Straight Connector 117"/>
+          <p:cNvCxnSpPr/>
+          <p:nvPr/>
+        </p:nvCxnSpPr>
+        <p:spPr>
+          <a:xfrm>
+            <a:off x="7382355" y="1547187"/>
+            <a:ext cx="604971" cy="0"/>
+          </a:xfrm>
+          <a:prstGeom prst="line">
+            <a:avLst/>
+          </a:prstGeom>
+          <a:ln w="9525" cmpd="sng">
+            <a:solidFill>
+              <a:schemeClr val="tx1"/>
+            </a:solidFill>
+          </a:ln>
+          <a:effectLst/>
+        </p:spPr>
+        <p:style>
+          <a:lnRef idx="2">
+            <a:schemeClr val="accent1"/>
+          </a:lnRef>
+          <a:fillRef idx="0">
+            <a:schemeClr val="accent1"/>
+          </a:fillRef>
+          <a:effectRef idx="1">
+            <a:schemeClr val="accent1"/>
+          </a:effectRef>
+          <a:fontRef idx="minor">
+            <a:schemeClr val="tx1"/>
+          </a:fontRef>
+        </p:style>
+      </p:cxnSp>
+      <p:cxnSp>
+        <p:nvCxnSpPr>
+          <p:cNvPr id="119" name="Straight Connector 118"/>
+          <p:cNvCxnSpPr/>
+          <p:nvPr/>
+        </p:nvCxnSpPr>
+        <p:spPr>
+          <a:xfrm flipH="1">
+            <a:off x="5500492" y="874370"/>
+            <a:ext cx="8467" cy="1153014"/>
+          </a:xfrm>
+          <a:prstGeom prst="line">
+            <a:avLst/>
+          </a:prstGeom>
+          <a:ln w="9525" cmpd="sng">
+            <a:solidFill>
+              <a:schemeClr val="tx1"/>
+            </a:solidFill>
+            <a:prstDash val="dot"/>
+          </a:ln>
+          <a:effectLst/>
+        </p:spPr>
+        <p:style>
+          <a:lnRef idx="2">
+            <a:schemeClr val="accent1"/>
+          </a:lnRef>
+          <a:fillRef idx="0">
+            <a:schemeClr val="accent1"/>
+          </a:fillRef>
+          <a:effectRef idx="1">
+            <a:schemeClr val="accent1"/>
+          </a:effectRef>
+          <a:fontRef idx="minor">
+            <a:schemeClr val="tx1"/>
+          </a:fontRef>
+        </p:style>
+      </p:cxnSp>
+      <p:cxnSp>
+        <p:nvCxnSpPr>
+          <p:cNvPr id="120" name="Straight Connector 119"/>
+          <p:cNvCxnSpPr/>
+          <p:nvPr/>
+        </p:nvCxnSpPr>
+        <p:spPr>
+          <a:xfrm>
+            <a:off x="7866169" y="874370"/>
+            <a:ext cx="0" cy="1153014"/>
+          </a:xfrm>
+          <a:prstGeom prst="line">
+            <a:avLst/>
+          </a:prstGeom>
+          <a:ln w="9525" cmpd="sng">
+            <a:solidFill>
+              <a:schemeClr val="tx1"/>
+            </a:solidFill>
+            <a:prstDash val="dot"/>
+          </a:ln>
+          <a:effectLst/>
+        </p:spPr>
+        <p:style>
+          <a:lnRef idx="2">
+            <a:schemeClr val="accent1"/>
+          </a:lnRef>
+          <a:fillRef idx="0">
+            <a:schemeClr val="accent1"/>
+          </a:fillRef>
+          <a:effectRef idx="1">
+            <a:schemeClr val="accent1"/>
+          </a:effectRef>
+          <a:fontRef idx="minor">
+            <a:schemeClr val="tx1"/>
+          </a:fontRef>
+        </p:style>
+      </p:cxnSp>
+      <p:cxnSp>
+        <p:nvCxnSpPr>
+          <p:cNvPr id="121" name="Straight Connector 120"/>
+          <p:cNvCxnSpPr/>
+          <p:nvPr/>
+        </p:nvCxnSpPr>
+        <p:spPr>
+          <a:xfrm>
+            <a:off x="5508959" y="901572"/>
+            <a:ext cx="2357210" cy="0"/>
+          </a:xfrm>
+          <a:prstGeom prst="line">
+            <a:avLst/>
+          </a:prstGeom>
+          <a:ln w="9525" cmpd="sng">
+            <a:solidFill>
+              <a:srgbClr val="000000"/>
+            </a:solidFill>
+            <a:prstDash val="sysDash"/>
+            <a:headEnd type="stealth"/>
+            <a:tailEnd type="none"/>
+          </a:ln>
+          <a:effectLst/>
+        </p:spPr>
+        <p:style>
+          <a:lnRef idx="2">
+            <a:schemeClr val="accent1"/>
+          </a:lnRef>
+          <a:fillRef idx="0">
+            <a:schemeClr val="accent1"/>
+          </a:fillRef>
+          <a:effectRef idx="1">
+            <a:schemeClr val="accent1"/>
+          </a:effectRef>
+          <a:fontRef idx="minor">
+            <a:schemeClr val="tx1"/>
+          </a:fontRef>
+        </p:style>
+      </p:cxnSp>
+      <p:cxnSp>
+        <p:nvCxnSpPr>
+          <p:cNvPr id="122" name="Straight Connector 121"/>
+          <p:cNvCxnSpPr/>
+          <p:nvPr/>
+        </p:nvCxnSpPr>
+        <p:spPr>
+          <a:xfrm>
+            <a:off x="5669826" y="1096773"/>
+            <a:ext cx="241322" cy="0"/>
+          </a:xfrm>
+          <a:prstGeom prst="line">
+            <a:avLst/>
+          </a:prstGeom>
+          <a:ln w="9525" cmpd="sng">
+            <a:solidFill>
+              <a:srgbClr val="000000"/>
+            </a:solidFill>
+            <a:prstDash val="sysDash"/>
+            <a:headEnd type="stealth"/>
+            <a:tailEnd type="none"/>
+          </a:ln>
+          <a:effectLst/>
+        </p:spPr>
+        <p:style>
+          <a:lnRef idx="2">
+            <a:schemeClr val="accent1"/>
+          </a:lnRef>
+          <a:fillRef idx="0">
+            <a:schemeClr val="accent1"/>
+          </a:fillRef>
+          <a:effectRef idx="1">
+            <a:schemeClr val="accent1"/>
+          </a:effectRef>
+          <a:fontRef idx="minor">
+            <a:schemeClr val="tx1"/>
+          </a:fontRef>
+        </p:style>
+      </p:cxnSp>
+      <p:cxnSp>
+        <p:nvCxnSpPr>
+          <p:cNvPr id="123" name="Straight Connector 122"/>
+          <p:cNvCxnSpPr/>
+          <p:nvPr/>
+        </p:nvCxnSpPr>
+        <p:spPr>
+          <a:xfrm flipH="1">
+            <a:off x="5288434" y="1096773"/>
+            <a:ext cx="220525" cy="0"/>
+          </a:xfrm>
+          <a:prstGeom prst="line">
+            <a:avLst/>
+          </a:prstGeom>
+          <a:ln w="9525" cmpd="sng">
+            <a:solidFill>
+              <a:srgbClr val="000000"/>
+            </a:solidFill>
+            <a:prstDash val="sysDash"/>
+            <a:headEnd type="stealth"/>
+            <a:tailEnd type="none"/>
+          </a:ln>
+          <a:effectLst/>
+        </p:spPr>
+        <p:style>
+          <a:lnRef idx="2">
+            <a:schemeClr val="accent1"/>
+          </a:lnRef>
+          <a:fillRef idx="0">
+            <a:schemeClr val="accent1"/>
+          </a:fillRef>
+          <a:effectRef idx="1">
+            <a:schemeClr val="accent1"/>
+          </a:effectRef>
+          <a:fontRef idx="minor">
+            <a:schemeClr val="tx1"/>
+          </a:fontRef>
+        </p:style>
+      </p:cxnSp>
+      <p:cxnSp>
+        <p:nvCxnSpPr>
+          <p:cNvPr id="124" name="Straight Connector 123"/>
+          <p:cNvCxnSpPr/>
+          <p:nvPr/>
+        </p:nvCxnSpPr>
+        <p:spPr>
+          <a:xfrm>
+            <a:off x="7382355" y="1403901"/>
+            <a:ext cx="241322" cy="0"/>
+          </a:xfrm>
+          <a:prstGeom prst="line">
+            <a:avLst/>
+          </a:prstGeom>
+          <a:ln w="9525" cmpd="sng">
+            <a:solidFill>
+              <a:srgbClr val="000000"/>
+            </a:solidFill>
+            <a:prstDash val="sysDash"/>
+            <a:headEnd type="stealth"/>
+            <a:tailEnd type="none"/>
+          </a:ln>
+          <a:effectLst/>
+        </p:spPr>
+        <p:style>
+          <a:lnRef idx="2">
+            <a:schemeClr val="accent1"/>
+          </a:lnRef>
+          <a:fillRef idx="0">
+            <a:schemeClr val="accent1"/>
+          </a:fillRef>
+          <a:effectRef idx="1">
+            <a:schemeClr val="accent1"/>
+          </a:effectRef>
+          <a:fontRef idx="minor">
+            <a:schemeClr val="tx1"/>
+          </a:fontRef>
+        </p:style>
+      </p:cxnSp>
+      <p:cxnSp>
+        <p:nvCxnSpPr>
+          <p:cNvPr id="125" name="Straight Connector 124"/>
+          <p:cNvCxnSpPr/>
+          <p:nvPr/>
+        </p:nvCxnSpPr>
+        <p:spPr>
+          <a:xfrm flipH="1">
+            <a:off x="7000963" y="1406192"/>
+            <a:ext cx="220525" cy="0"/>
+          </a:xfrm>
+          <a:prstGeom prst="line">
+            <a:avLst/>
+          </a:prstGeom>
+          <a:ln w="9525" cmpd="sng">
+            <a:solidFill>
+              <a:srgbClr val="000000"/>
+            </a:solidFill>
+            <a:prstDash val="sysDash"/>
+            <a:headEnd type="stealth"/>
+            <a:tailEnd type="none"/>
+          </a:ln>
+          <a:effectLst/>
+        </p:spPr>
+        <p:style>
+          <a:lnRef idx="2">
+            <a:schemeClr val="accent1"/>
+          </a:lnRef>
+          <a:fillRef idx="0">
+            <a:schemeClr val="accent1"/>
+          </a:fillRef>
+          <a:effectRef idx="1">
+            <a:schemeClr val="accent1"/>
+          </a:effectRef>
+          <a:fontRef idx="minor">
+            <a:schemeClr val="tx1"/>
+          </a:fontRef>
+        </p:style>
+      </p:cxnSp>
+      <p:cxnSp>
+        <p:nvCxnSpPr>
+          <p:cNvPr id="126" name="Straight Connector 125"/>
+          <p:cNvCxnSpPr/>
+          <p:nvPr/>
+        </p:nvCxnSpPr>
+        <p:spPr>
+          <a:xfrm flipH="1">
+            <a:off x="5508960" y="1623519"/>
+            <a:ext cx="1712567" cy="0"/>
+          </a:xfrm>
+          <a:prstGeom prst="line">
+            <a:avLst/>
+          </a:prstGeom>
+          <a:ln w="9525" cmpd="sng">
+            <a:solidFill>
+              <a:srgbClr val="000000"/>
+            </a:solidFill>
+            <a:prstDash val="sysDash"/>
+            <a:headEnd type="stealth"/>
+            <a:tailEnd type="none"/>
+          </a:ln>
+          <a:effectLst/>
+        </p:spPr>
+        <p:style>
+          <a:lnRef idx="2">
+            <a:schemeClr val="accent1"/>
+          </a:lnRef>
+          <a:fillRef idx="0">
+            <a:schemeClr val="accent1"/>
+          </a:fillRef>
+          <a:effectRef idx="1">
+            <a:schemeClr val="accent1"/>
+          </a:effectRef>
+          <a:fontRef idx="minor">
+            <a:schemeClr val="tx1"/>
+          </a:fontRef>
+        </p:style>
+      </p:cxnSp>
+      <p:cxnSp>
+        <p:nvCxnSpPr>
+          <p:cNvPr id="127" name="Straight Connector 126"/>
+          <p:cNvCxnSpPr/>
+          <p:nvPr/>
+        </p:nvCxnSpPr>
+        <p:spPr>
+          <a:xfrm>
+            <a:off x="7221527" y="1156630"/>
+            <a:ext cx="0" cy="499124"/>
+          </a:xfrm>
+          <a:prstGeom prst="line">
+            <a:avLst/>
+          </a:prstGeom>
+          <a:ln w="9525" cmpd="sng">
+            <a:solidFill>
+              <a:schemeClr val="tx1"/>
+            </a:solidFill>
+            <a:prstDash val="dot"/>
+          </a:ln>
+          <a:effectLst/>
+        </p:spPr>
+        <p:style>
+          <a:lnRef idx="2">
+            <a:schemeClr val="accent1"/>
+          </a:lnRef>
+          <a:fillRef idx="0">
+            <a:schemeClr val="accent1"/>
+          </a:fillRef>
+          <a:effectRef idx="1">
+            <a:schemeClr val="accent1"/>
+          </a:effectRef>
+          <a:fontRef idx="minor">
+            <a:schemeClr val="tx1"/>
+          </a:fontRef>
+        </p:style>
+      </p:cxnSp>
+      <p:sp>
+        <p:nvSpPr>
+          <p:cNvPr id="128" name="TextBox 127"/>
+          <p:cNvSpPr txBox="1"/>
+          <p:nvPr/>
+        </p:nvSpPr>
+        <p:spPr>
+          <a:xfrm>
+            <a:off x="6517452" y="834317"/>
+            <a:ext cx="340508" cy="276999"/>
+          </a:xfrm>
+          <a:prstGeom prst="rect">
+            <a:avLst/>
+          </a:prstGeom>
+          <a:noFill/>
+        </p:spPr>
+        <p:txBody>
+          <a:bodyPr wrap="none" rtlCol="0">
+            <a:spAutoFit/>
+          </a:bodyPr>
+          <a:lstStyle/>
+          <a:p>
+            <a:r>
+              <a:rPr lang="en-US" sz="1200" dirty="0" err="1" smtClean="0"/>
+              <a:t>Tp</a:t>
+            </a:r>
+            <a:endParaRPr lang="en-US" sz="1200" dirty="0"/>
+          </a:p>
+        </p:txBody>
+      </p:sp>
+      <p:sp>
+        <p:nvSpPr>
+          <p:cNvPr id="129" name="TextBox 128"/>
+          <p:cNvSpPr txBox="1"/>
+          <p:nvPr/>
+        </p:nvSpPr>
+        <p:spPr>
+          <a:xfrm>
+            <a:off x="4935922" y="1022538"/>
+            <a:ext cx="338554" cy="276999"/>
+          </a:xfrm>
+          <a:prstGeom prst="rect">
+            <a:avLst/>
+          </a:prstGeom>
+          <a:noFill/>
+        </p:spPr>
+        <p:txBody>
+          <a:bodyPr wrap="none" rtlCol="0">
+            <a:spAutoFit/>
+          </a:bodyPr>
+          <a:lstStyle/>
+          <a:p>
+            <a:r>
+              <a:rPr lang="en-US" sz="1200" dirty="0" smtClean="0"/>
+              <a:t>S1</a:t>
+            </a:r>
+            <a:endParaRPr lang="en-US" sz="1200" dirty="0"/>
+          </a:p>
+        </p:txBody>
+      </p:sp>
+      <p:sp>
+        <p:nvSpPr>
+          <p:cNvPr id="130" name="TextBox 129"/>
+          <p:cNvSpPr txBox="1"/>
+          <p:nvPr/>
+        </p:nvSpPr>
+        <p:spPr>
+          <a:xfrm>
+            <a:off x="4928931" y="1369784"/>
+            <a:ext cx="338554" cy="276999"/>
+          </a:xfrm>
+          <a:prstGeom prst="rect">
+            <a:avLst/>
+          </a:prstGeom>
+          <a:noFill/>
+        </p:spPr>
+        <p:txBody>
+          <a:bodyPr wrap="none" rtlCol="0">
+            <a:spAutoFit/>
+          </a:bodyPr>
+          <a:lstStyle/>
+          <a:p>
+            <a:r>
+              <a:rPr lang="en-US" sz="1200" dirty="0" smtClean="0"/>
+              <a:t>S2</a:t>
+            </a:r>
+            <a:endParaRPr lang="en-US" sz="1200" dirty="0"/>
+          </a:p>
+        </p:txBody>
+      </p:sp>
+      <p:sp>
+        <p:nvSpPr>
+          <p:cNvPr id="131" name="TextBox 130"/>
+          <p:cNvSpPr txBox="1"/>
+          <p:nvPr/>
+        </p:nvSpPr>
+        <p:spPr>
+          <a:xfrm>
+            <a:off x="5841298" y="924572"/>
+            <a:ext cx="402674" cy="276999"/>
+          </a:xfrm>
+          <a:prstGeom prst="rect">
+            <a:avLst/>
+          </a:prstGeom>
+          <a:noFill/>
+        </p:spPr>
+        <p:txBody>
+          <a:bodyPr wrap="none" rtlCol="0">
+            <a:spAutoFit/>
+          </a:bodyPr>
+          <a:lstStyle/>
+          <a:p>
+            <a:r>
+              <a:rPr lang="en-US" sz="1200" dirty="0" smtClean="0"/>
+              <a:t>Ts1</a:t>
+            </a:r>
+            <a:endParaRPr lang="en-US" sz="1200" dirty="0"/>
+          </a:p>
+        </p:txBody>
+      </p:sp>
+      <p:sp>
+        <p:nvSpPr>
+          <p:cNvPr id="132" name="TextBox 131"/>
+          <p:cNvSpPr txBox="1"/>
+          <p:nvPr/>
+        </p:nvSpPr>
+        <p:spPr>
+          <a:xfrm>
+            <a:off x="6685848" y="1250357"/>
+            <a:ext cx="402674" cy="276999"/>
+          </a:xfrm>
+          <a:prstGeom prst="rect">
+            <a:avLst/>
+          </a:prstGeom>
+          <a:noFill/>
+        </p:spPr>
+        <p:txBody>
+          <a:bodyPr wrap="none" rtlCol="0">
+            <a:spAutoFit/>
+          </a:bodyPr>
+          <a:lstStyle/>
+          <a:p>
+            <a:r>
+              <a:rPr lang="en-US" sz="1200" dirty="0" smtClean="0"/>
+              <a:t>Ts2</a:t>
+            </a:r>
+            <a:endParaRPr lang="en-US" sz="1200" dirty="0"/>
+          </a:p>
+        </p:txBody>
+      </p:sp>
+      <p:sp>
+        <p:nvSpPr>
+          <p:cNvPr id="133" name="TextBox 132"/>
+          <p:cNvSpPr txBox="1"/>
+          <p:nvPr/>
+        </p:nvSpPr>
+        <p:spPr>
+          <a:xfrm>
+            <a:off x="6073718" y="1564101"/>
+            <a:ext cx="421359" cy="276999"/>
+          </a:xfrm>
+          <a:prstGeom prst="rect">
+            <a:avLst/>
+          </a:prstGeom>
+          <a:noFill/>
+        </p:spPr>
+        <p:txBody>
+          <a:bodyPr wrap="none" rtlCol="0">
+            <a:spAutoFit/>
+          </a:bodyPr>
+          <a:lstStyle/>
+          <a:p>
+            <a:r>
+              <a:rPr lang="en-US" sz="1200" dirty="0" err="1" smtClean="0"/>
+              <a:t>Tdn</a:t>
+            </a:r>
+            <a:endParaRPr lang="en-US" sz="1200" dirty="0"/>
+          </a:p>
+        </p:txBody>
+      </p:sp>
+      <p:sp>
+        <p:nvSpPr>
+          <p:cNvPr id="134" name="Right Brace 133"/>
+          <p:cNvSpPr/>
+          <p:nvPr/>
+        </p:nvSpPr>
+        <p:spPr>
+          <a:xfrm rot="5400000">
+            <a:off x="6586360" y="1005002"/>
+            <a:ext cx="202409" cy="2357210"/>
+          </a:xfrm>
+          <a:prstGeom prst="rightBrace">
+            <a:avLst/>
+          </a:prstGeom>
+          <a:ln w="12700" cmpd="sng">
+            <a:solidFill>
+              <a:srgbClr val="000000"/>
+            </a:solidFill>
+          </a:ln>
+          <a:effectLst/>
+        </p:spPr>
+        <p:style>
+          <a:lnRef idx="2">
+            <a:schemeClr val="accent1"/>
+          </a:lnRef>
+          <a:fillRef idx="0">
+            <a:schemeClr val="accent1"/>
+          </a:fillRef>
+          <a:effectRef idx="1">
+            <a:schemeClr val="accent1"/>
+          </a:effectRef>
+          <a:fontRef idx="minor">
+            <a:schemeClr val="tx1"/>
+          </a:fontRef>
+        </p:style>
+        <p:txBody>
+          <a:bodyPr rtlCol="0" anchor="ctr"/>
+          <a:lstStyle/>
+          <a:p>
+            <a:pPr algn="ctr"/>
+            <a:endParaRPr lang="en-US"/>
+          </a:p>
+        </p:txBody>
+      </p:sp>
+      <p:sp>
+        <p:nvSpPr>
+          <p:cNvPr id="135" name="TextBox 134"/>
+          <p:cNvSpPr txBox="1"/>
+          <p:nvPr/>
+        </p:nvSpPr>
+        <p:spPr>
+          <a:xfrm>
+            <a:off x="6096451" y="2205753"/>
+            <a:ext cx="1225591" cy="276999"/>
+          </a:xfrm>
+          <a:prstGeom prst="rect">
+            <a:avLst/>
+          </a:prstGeom>
+          <a:noFill/>
+        </p:spPr>
+        <p:txBody>
+          <a:bodyPr wrap="none" rtlCol="0">
+            <a:spAutoFit/>
+          </a:bodyPr>
+          <a:lstStyle/>
+          <a:p>
+            <a:r>
+              <a:rPr lang="en-US" sz="1200" dirty="0" smtClean="0"/>
+              <a:t>Repeats m </a:t>
+            </a:r>
+            <a:r>
+              <a:rPr lang="en-US" sz="1200" dirty="0" smtClean="0"/>
+              <a:t>times</a:t>
+            </a:r>
+            <a:endParaRPr lang="en-US" sz="1200" dirty="0"/>
+          </a:p>
+        </p:txBody>
+      </p:sp>
+      <p:grpSp>
+        <p:nvGrpSpPr>
+          <p:cNvPr id="136" name="Group 135"/>
+          <p:cNvGrpSpPr/>
+          <p:nvPr/>
+        </p:nvGrpSpPr>
+        <p:grpSpPr>
+          <a:xfrm>
+            <a:off x="5343858" y="513642"/>
+            <a:ext cx="160867" cy="247650"/>
+            <a:chOff x="1028700" y="1254125"/>
+            <a:chExt cx="160867" cy="247650"/>
+          </a:xfrm>
+        </p:grpSpPr>
+        <p:cxnSp>
+          <p:nvCxnSpPr>
+            <p:cNvPr id="137" name="Straight Connector 136"/>
+            <p:cNvCxnSpPr/>
+            <p:nvPr/>
+          </p:nvCxnSpPr>
+          <p:spPr>
+            <a:xfrm>
+              <a:off x="1028700" y="1254125"/>
+              <a:ext cx="0" cy="247650"/>
+            </a:xfrm>
+            <a:prstGeom prst="line">
+              <a:avLst/>
+            </a:prstGeom>
+            <a:ln w="9525" cmpd="sng">
+              <a:solidFill>
+                <a:schemeClr val="tx1"/>
+              </a:solidFill>
+            </a:ln>
+            <a:effectLst/>
+          </p:spPr>
+          <p:style>
+            <a:lnRef idx="2">
+              <a:schemeClr val="accent1"/>
+            </a:lnRef>
+            <a:fillRef idx="0">
+              <a:schemeClr val="accent1"/>
+            </a:fillRef>
+            <a:effectRef idx="1">
+              <a:schemeClr val="accent1"/>
+            </a:effectRef>
+            <a:fontRef idx="minor">
+              <a:schemeClr val="tx1"/>
+            </a:fontRef>
+          </p:style>
+        </p:cxnSp>
+        <p:cxnSp>
+          <p:nvCxnSpPr>
+            <p:cNvPr id="138" name="Straight Connector 137"/>
+            <p:cNvCxnSpPr/>
+            <p:nvPr/>
+          </p:nvCxnSpPr>
+          <p:spPr>
+            <a:xfrm>
+              <a:off x="1189567" y="1254125"/>
+              <a:ext cx="0" cy="247650"/>
+            </a:xfrm>
+            <a:prstGeom prst="line">
+              <a:avLst/>
+            </a:prstGeom>
+            <a:ln w="9525" cmpd="sng">
+              <a:solidFill>
+                <a:schemeClr val="tx1"/>
+              </a:solidFill>
+            </a:ln>
+            <a:effectLst/>
+          </p:spPr>
+          <p:style>
+            <a:lnRef idx="2">
+              <a:schemeClr val="accent1"/>
+            </a:lnRef>
+            <a:fillRef idx="0">
+              <a:schemeClr val="accent1"/>
+            </a:fillRef>
+            <a:effectRef idx="1">
+              <a:schemeClr val="accent1"/>
+            </a:effectRef>
+            <a:fontRef idx="minor">
+              <a:schemeClr val="tx1"/>
+            </a:fontRef>
+          </p:style>
+        </p:cxnSp>
+        <p:cxnSp>
+          <p:nvCxnSpPr>
+            <p:cNvPr id="139" name="Straight Connector 138"/>
+            <p:cNvCxnSpPr/>
+            <p:nvPr/>
+          </p:nvCxnSpPr>
+          <p:spPr>
+            <a:xfrm>
+              <a:off x="1028700" y="1254125"/>
+              <a:ext cx="160867" cy="0"/>
+            </a:xfrm>
+            <a:prstGeom prst="line">
+              <a:avLst/>
+            </a:prstGeom>
+            <a:ln w="9525" cmpd="sng">
+              <a:solidFill>
+                <a:schemeClr val="tx1"/>
+              </a:solidFill>
+            </a:ln>
+            <a:effectLst/>
+          </p:spPr>
+          <p:style>
+            <a:lnRef idx="2">
+              <a:schemeClr val="accent1"/>
+            </a:lnRef>
+            <a:fillRef idx="0">
+              <a:schemeClr val="accent1"/>
+            </a:fillRef>
+            <a:effectRef idx="1">
+              <a:schemeClr val="accent1"/>
+            </a:effectRef>
+            <a:fontRef idx="minor">
+              <a:schemeClr val="tx1"/>
+            </a:fontRef>
+          </p:style>
+        </p:cxnSp>
+      </p:grpSp>
+      <p:cxnSp>
+        <p:nvCxnSpPr>
+          <p:cNvPr id="140" name="Straight Connector 139"/>
+          <p:cNvCxnSpPr/>
+          <p:nvPr/>
+        </p:nvCxnSpPr>
+        <p:spPr>
+          <a:xfrm>
+            <a:off x="5504725" y="761292"/>
+            <a:ext cx="2482601" cy="0"/>
+          </a:xfrm>
+          <a:prstGeom prst="line">
+            <a:avLst/>
+          </a:prstGeom>
+          <a:ln w="9525" cmpd="sng">
+            <a:solidFill>
+              <a:schemeClr val="tx1"/>
+            </a:solidFill>
+          </a:ln>
+          <a:effectLst/>
+        </p:spPr>
+        <p:style>
+          <a:lnRef idx="2">
+            <a:schemeClr val="accent1"/>
+          </a:lnRef>
+          <a:fillRef idx="0">
+            <a:schemeClr val="accent1"/>
+          </a:fillRef>
+          <a:effectRef idx="1">
+            <a:schemeClr val="accent1"/>
+          </a:effectRef>
+          <a:fontRef idx="minor">
+            <a:schemeClr val="tx1"/>
+          </a:fontRef>
+        </p:style>
+      </p:cxnSp>
+      <p:cxnSp>
+        <p:nvCxnSpPr>
+          <p:cNvPr id="141" name="Straight Connector 140"/>
+          <p:cNvCxnSpPr/>
+          <p:nvPr/>
+        </p:nvCxnSpPr>
+        <p:spPr>
+          <a:xfrm>
+            <a:off x="5191925" y="761292"/>
+            <a:ext cx="151933" cy="0"/>
+          </a:xfrm>
+          <a:prstGeom prst="line">
+            <a:avLst/>
+          </a:prstGeom>
+          <a:ln w="9525" cmpd="sng">
+            <a:solidFill>
+              <a:schemeClr val="tx1"/>
+            </a:solidFill>
+          </a:ln>
+          <a:effectLst/>
+        </p:spPr>
+        <p:style>
+          <a:lnRef idx="2">
+            <a:schemeClr val="accent1"/>
+          </a:lnRef>
+          <a:fillRef idx="0">
+            <a:schemeClr val="accent1"/>
+          </a:fillRef>
+          <a:effectRef idx="1">
+            <a:schemeClr val="accent1"/>
+          </a:effectRef>
+          <a:fontRef idx="minor">
+            <a:schemeClr val="tx1"/>
+          </a:fontRef>
+        </p:style>
+      </p:cxnSp>
+      <p:cxnSp>
+        <p:nvCxnSpPr>
+          <p:cNvPr id="142" name="Straight Connector 141"/>
+          <p:cNvCxnSpPr/>
+          <p:nvPr/>
+        </p:nvCxnSpPr>
+        <p:spPr>
+          <a:xfrm>
+            <a:off x="5185341" y="1964925"/>
+            <a:ext cx="317034" cy="0"/>
+          </a:xfrm>
+          <a:prstGeom prst="line">
+            <a:avLst/>
+          </a:prstGeom>
+          <a:ln w="9525" cmpd="sng">
+            <a:solidFill>
+              <a:schemeClr val="tx1"/>
+            </a:solidFill>
+          </a:ln>
+          <a:effectLst/>
+        </p:spPr>
+        <p:style>
+          <a:lnRef idx="2">
+            <a:schemeClr val="accent1"/>
+          </a:lnRef>
+          <a:fillRef idx="0">
+            <a:schemeClr val="accent1"/>
+          </a:fillRef>
+          <a:effectRef idx="1">
+            <a:schemeClr val="accent1"/>
+          </a:effectRef>
+          <a:fontRef idx="minor">
+            <a:schemeClr val="tx1"/>
+          </a:fontRef>
+        </p:style>
+      </p:cxnSp>
+      <p:grpSp>
+        <p:nvGrpSpPr>
+          <p:cNvPr id="143" name="Group 142"/>
+          <p:cNvGrpSpPr/>
+          <p:nvPr/>
+        </p:nvGrpSpPr>
+        <p:grpSpPr>
+          <a:xfrm>
+            <a:off x="5500492" y="1717275"/>
+            <a:ext cx="160867" cy="247650"/>
+            <a:chOff x="1028700" y="1254125"/>
+            <a:chExt cx="160867" cy="247650"/>
+          </a:xfrm>
+        </p:grpSpPr>
+        <p:cxnSp>
+          <p:nvCxnSpPr>
+            <p:cNvPr id="144" name="Straight Connector 143"/>
+            <p:cNvCxnSpPr/>
+            <p:nvPr/>
+          </p:nvCxnSpPr>
+          <p:spPr>
+            <a:xfrm>
+              <a:off x="1028700" y="1254125"/>
+              <a:ext cx="0" cy="247650"/>
+            </a:xfrm>
+            <a:prstGeom prst="line">
+              <a:avLst/>
+            </a:prstGeom>
+            <a:ln w="9525" cmpd="sng">
+              <a:solidFill>
+                <a:schemeClr val="tx1"/>
+              </a:solidFill>
+            </a:ln>
+            <a:effectLst/>
+          </p:spPr>
+          <p:style>
+            <a:lnRef idx="2">
+              <a:schemeClr val="accent1"/>
+            </a:lnRef>
+            <a:fillRef idx="0">
+              <a:schemeClr val="accent1"/>
+            </a:fillRef>
+            <a:effectRef idx="1">
+              <a:schemeClr val="accent1"/>
+            </a:effectRef>
+            <a:fontRef idx="minor">
+              <a:schemeClr val="tx1"/>
+            </a:fontRef>
+          </p:style>
+        </p:cxnSp>
+        <p:cxnSp>
+          <p:nvCxnSpPr>
+            <p:cNvPr id="145" name="Straight Connector 144"/>
+            <p:cNvCxnSpPr/>
+            <p:nvPr/>
+          </p:nvCxnSpPr>
+          <p:spPr>
+            <a:xfrm>
+              <a:off x="1189567" y="1254125"/>
+              <a:ext cx="0" cy="247650"/>
+            </a:xfrm>
+            <a:prstGeom prst="line">
+              <a:avLst/>
+            </a:prstGeom>
+            <a:ln w="9525" cmpd="sng">
+              <a:solidFill>
+                <a:schemeClr val="tx1"/>
+              </a:solidFill>
+            </a:ln>
+            <a:effectLst/>
+          </p:spPr>
+          <p:style>
+            <a:lnRef idx="2">
+              <a:schemeClr val="accent1"/>
+            </a:lnRef>
+            <a:fillRef idx="0">
+              <a:schemeClr val="accent1"/>
+            </a:fillRef>
+            <a:effectRef idx="1">
+              <a:schemeClr val="accent1"/>
+            </a:effectRef>
+            <a:fontRef idx="minor">
+              <a:schemeClr val="tx1"/>
+            </a:fontRef>
+          </p:style>
+        </p:cxnSp>
+        <p:cxnSp>
+          <p:nvCxnSpPr>
+            <p:cNvPr id="146" name="Straight Connector 145"/>
+            <p:cNvCxnSpPr/>
+            <p:nvPr/>
+          </p:nvCxnSpPr>
+          <p:spPr>
+            <a:xfrm>
+              <a:off x="1028700" y="1254125"/>
+              <a:ext cx="160867" cy="0"/>
+            </a:xfrm>
+            <a:prstGeom prst="line">
+              <a:avLst/>
+            </a:prstGeom>
+            <a:ln w="9525" cmpd="sng">
+              <a:solidFill>
+                <a:schemeClr val="tx1"/>
+              </a:solidFill>
+            </a:ln>
+            <a:effectLst/>
+          </p:spPr>
+          <p:style>
+            <a:lnRef idx="2">
+              <a:schemeClr val="accent1"/>
+            </a:lnRef>
+            <a:fillRef idx="0">
+              <a:schemeClr val="accent1"/>
+            </a:fillRef>
+            <a:effectRef idx="1">
+              <a:schemeClr val="accent1"/>
+            </a:effectRef>
+            <a:fontRef idx="minor">
+              <a:schemeClr val="tx1"/>
+            </a:fontRef>
+          </p:style>
+        </p:cxnSp>
+      </p:grpSp>
+      <p:cxnSp>
+        <p:nvCxnSpPr>
+          <p:cNvPr id="147" name="Straight Connector 146"/>
+          <p:cNvCxnSpPr/>
+          <p:nvPr/>
+        </p:nvCxnSpPr>
+        <p:spPr>
+          <a:xfrm>
+            <a:off x="5661359" y="1964925"/>
+            <a:ext cx="2317500" cy="0"/>
+          </a:xfrm>
+          <a:prstGeom prst="line">
+            <a:avLst/>
+          </a:prstGeom>
+          <a:ln w="9525" cmpd="sng">
+            <a:solidFill>
+              <a:schemeClr val="tx1"/>
+            </a:solidFill>
+          </a:ln>
+          <a:effectLst/>
+        </p:spPr>
+        <p:style>
+          <a:lnRef idx="2">
+            <a:schemeClr val="accent1"/>
+          </a:lnRef>
+          <a:fillRef idx="0">
+            <a:schemeClr val="accent1"/>
+          </a:fillRef>
+          <a:effectRef idx="1">
+            <a:schemeClr val="accent1"/>
+          </a:effectRef>
+          <a:fontRef idx="minor">
+            <a:schemeClr val="tx1"/>
+          </a:fontRef>
+        </p:style>
+      </p:cxnSp>
+      <p:sp>
+        <p:nvSpPr>
+          <p:cNvPr id="148" name="TextBox 147"/>
+          <p:cNvSpPr txBox="1"/>
+          <p:nvPr/>
+        </p:nvSpPr>
+        <p:spPr>
+          <a:xfrm>
+            <a:off x="4797173" y="560312"/>
+            <a:ext cx="470952" cy="276999"/>
+          </a:xfrm>
+          <a:prstGeom prst="rect">
+            <a:avLst/>
+          </a:prstGeom>
+          <a:noFill/>
+        </p:spPr>
+        <p:txBody>
+          <a:bodyPr wrap="none" rtlCol="0">
+            <a:spAutoFit/>
+          </a:bodyPr>
+          <a:lstStyle/>
+          <a:p>
+            <a:r>
+              <a:rPr lang="en-US" sz="1200" dirty="0" smtClean="0"/>
+              <a:t>Sync</a:t>
+            </a:r>
+            <a:endParaRPr lang="en-US" sz="1200" dirty="0"/>
+          </a:p>
+        </p:txBody>
+      </p:sp>
+      <p:sp>
+        <p:nvSpPr>
+          <p:cNvPr id="149" name="TextBox 148"/>
+          <p:cNvSpPr txBox="1"/>
+          <p:nvPr/>
+        </p:nvSpPr>
+        <p:spPr>
+          <a:xfrm>
+            <a:off x="4985190" y="1763085"/>
+            <a:ext cx="274434" cy="276999"/>
+          </a:xfrm>
+          <a:prstGeom prst="rect">
+            <a:avLst/>
+          </a:prstGeom>
+          <a:noFill/>
+        </p:spPr>
+        <p:txBody>
+          <a:bodyPr wrap="none" rtlCol="0">
+            <a:spAutoFit/>
+          </a:bodyPr>
+          <a:lstStyle/>
+          <a:p>
+            <a:r>
+              <a:rPr lang="en-US" sz="1200" dirty="0" smtClean="0"/>
+              <a:t>A</a:t>
+            </a:r>
+            <a:endParaRPr lang="en-US" sz="1200" dirty="0"/>
+          </a:p>
+        </p:txBody>
+      </p:sp>
+      <p:cxnSp>
+        <p:nvCxnSpPr>
+          <p:cNvPr id="150" name="Straight Connector 149"/>
+          <p:cNvCxnSpPr/>
+          <p:nvPr/>
+        </p:nvCxnSpPr>
+        <p:spPr>
+          <a:xfrm flipH="1">
+            <a:off x="5123333" y="560312"/>
+            <a:ext cx="220525" cy="0"/>
+          </a:xfrm>
+          <a:prstGeom prst="line">
+            <a:avLst/>
+          </a:prstGeom>
+          <a:ln w="9525" cmpd="sng">
+            <a:solidFill>
+              <a:srgbClr val="000000"/>
+            </a:solidFill>
+            <a:prstDash val="sysDash"/>
+            <a:headEnd type="stealth"/>
+            <a:tailEnd type="none"/>
+          </a:ln>
+          <a:effectLst/>
+        </p:spPr>
+        <p:style>
+          <a:lnRef idx="2">
+            <a:schemeClr val="accent1"/>
+          </a:lnRef>
+          <a:fillRef idx="0">
+            <a:schemeClr val="accent1"/>
+          </a:fillRef>
+          <a:effectRef idx="1">
+            <a:schemeClr val="accent1"/>
+          </a:effectRef>
+          <a:fontRef idx="minor">
+            <a:schemeClr val="tx1"/>
+          </a:fontRef>
+        </p:style>
+      </p:cxnSp>
+      <p:cxnSp>
+        <p:nvCxnSpPr>
+          <p:cNvPr id="151" name="Straight Connector 150"/>
+          <p:cNvCxnSpPr/>
+          <p:nvPr/>
+        </p:nvCxnSpPr>
+        <p:spPr>
+          <a:xfrm>
+            <a:off x="5508960" y="560312"/>
+            <a:ext cx="241322" cy="0"/>
+          </a:xfrm>
+          <a:prstGeom prst="line">
+            <a:avLst/>
+          </a:prstGeom>
+          <a:ln w="9525" cmpd="sng">
+            <a:solidFill>
+              <a:srgbClr val="000000"/>
+            </a:solidFill>
+            <a:prstDash val="sysDash"/>
+            <a:headEnd type="stealth"/>
+            <a:tailEnd type="none"/>
+          </a:ln>
+          <a:effectLst/>
+        </p:spPr>
+        <p:style>
+          <a:lnRef idx="2">
+            <a:schemeClr val="accent1"/>
+          </a:lnRef>
+          <a:fillRef idx="0">
+            <a:schemeClr val="accent1"/>
+          </a:fillRef>
+          <a:effectRef idx="1">
+            <a:schemeClr val="accent1"/>
+          </a:effectRef>
+          <a:fontRef idx="minor">
+            <a:schemeClr val="tx1"/>
+          </a:fontRef>
+        </p:style>
+      </p:cxnSp>
+      <p:sp>
+        <p:nvSpPr>
+          <p:cNvPr id="152" name="TextBox 151"/>
+          <p:cNvSpPr txBox="1"/>
+          <p:nvPr/>
+        </p:nvSpPr>
+        <p:spPr>
+          <a:xfrm>
+            <a:off x="5684411" y="362442"/>
+            <a:ext cx="492217" cy="276999"/>
+          </a:xfrm>
+          <a:prstGeom prst="rect">
+            <a:avLst/>
+          </a:prstGeom>
+          <a:noFill/>
+        </p:spPr>
+        <p:txBody>
+          <a:bodyPr wrap="none" rtlCol="0">
+            <a:spAutoFit/>
+          </a:bodyPr>
+          <a:lstStyle/>
+          <a:p>
+            <a:r>
+              <a:rPr lang="en-US" sz="1200" dirty="0" smtClean="0"/>
+              <a:t>50uS</a:t>
+            </a:r>
+            <a:endParaRPr lang="en-US" sz="1200" dirty="0"/>
+          </a:p>
+        </p:txBody>
+      </p:sp>
+      <p:sp>
+        <p:nvSpPr>
+          <p:cNvPr id="153" name="TextBox 152"/>
+          <p:cNvSpPr txBox="1"/>
+          <p:nvPr/>
+        </p:nvSpPr>
+        <p:spPr>
+          <a:xfrm>
+            <a:off x="6124518" y="560312"/>
+            <a:ext cx="1915909" cy="246221"/>
+          </a:xfrm>
+          <a:prstGeom prst="rect">
+            <a:avLst/>
+          </a:prstGeom>
+          <a:noFill/>
+        </p:spPr>
+        <p:txBody>
+          <a:bodyPr wrap="none" rtlCol="0">
+            <a:spAutoFit/>
+          </a:bodyPr>
+          <a:lstStyle/>
+          <a:p>
+            <a:r>
+              <a:rPr lang="en-US" sz="1000" dirty="0" smtClean="0"/>
+              <a:t>Occurs once, at start of sequence </a:t>
+            </a:r>
+            <a:endParaRPr lang="en-US" sz="1000" dirty="0"/>
+          </a:p>
+        </p:txBody>
+      </p:sp>
+      <p:sp>
+        <p:nvSpPr>
+          <p:cNvPr id="154" name="TextBox 153"/>
+          <p:cNvSpPr txBox="1"/>
+          <p:nvPr/>
+        </p:nvSpPr>
+        <p:spPr>
+          <a:xfrm>
+            <a:off x="7209172" y="1013605"/>
+            <a:ext cx="662185" cy="246221"/>
+          </a:xfrm>
+          <a:prstGeom prst="rect">
+            <a:avLst/>
+          </a:prstGeom>
+          <a:noFill/>
+        </p:spPr>
+        <p:txBody>
+          <a:bodyPr wrap="none" rtlCol="0">
+            <a:spAutoFit/>
+          </a:bodyPr>
+          <a:lstStyle/>
+          <a:p>
+            <a:r>
+              <a:rPr lang="en-US" sz="1000" dirty="0" smtClean="0"/>
+              <a:t>Shutter 1</a:t>
+            </a:r>
+            <a:endParaRPr lang="en-US" sz="1000" dirty="0"/>
+          </a:p>
+        </p:txBody>
+      </p:sp>
+      <p:sp>
+        <p:nvSpPr>
+          <p:cNvPr id="155" name="TextBox 154"/>
+          <p:cNvSpPr txBox="1"/>
+          <p:nvPr/>
+        </p:nvSpPr>
+        <p:spPr>
+          <a:xfrm>
+            <a:off x="6061018" y="1344072"/>
+            <a:ext cx="662185" cy="246221"/>
+          </a:xfrm>
+          <a:prstGeom prst="rect">
+            <a:avLst/>
+          </a:prstGeom>
+          <a:noFill/>
+        </p:spPr>
+        <p:txBody>
+          <a:bodyPr wrap="none" rtlCol="0">
+            <a:spAutoFit/>
+          </a:bodyPr>
+          <a:lstStyle/>
+          <a:p>
+            <a:r>
+              <a:rPr lang="en-US" sz="1000" dirty="0" smtClean="0"/>
+              <a:t>Shutter 2</a:t>
+            </a:r>
+            <a:endParaRPr lang="en-US" sz="1000" dirty="0"/>
+          </a:p>
+        </p:txBody>
+      </p:sp>
+    </p:spTree>
+    <p:extLst>
+      <p:ext uri="{BB962C8B-B14F-4D97-AF65-F5344CB8AC3E}">
+        <p14:creationId xmlns:p14="http://schemas.microsoft.com/office/powerpoint/2010/main" val="103918078"/>
       </p:ext>
     </p:extLst>
   </p:cSld>
